--- a/_site/lectures/Lecture04/Lecture04.pptx
+++ b/_site/lectures/Lecture04/Lecture04.pptx
@@ -27,6 +27,17 @@
     <p:sldId id="275" r:id="rId21"/>
     <p:sldId id="276" r:id="rId22"/>
     <p:sldId id="277" r:id="rId23"/>
+    <p:sldId id="278" r:id="rId24"/>
+    <p:sldId id="279" r:id="rId25"/>
+    <p:sldId id="280" r:id="rId26"/>
+    <p:sldId id="281" r:id="rId27"/>
+    <p:sldId id="282" r:id="rId28"/>
+    <p:sldId id="283" r:id="rId29"/>
+    <p:sldId id="284" r:id="rId30"/>
+    <p:sldId id="285" r:id="rId31"/>
+    <p:sldId id="286" r:id="rId32"/>
+    <p:sldId id="287" r:id="rId33"/>
+    <p:sldId id="288" r:id="rId34"/>
   </p:sldIdLst>
   <p:sldSz cx="12192000" cy="6858000"/>
   <p:notesSz cx="6858000" cy="9144000"/>
@@ -5044,81 +5055,41 @@
             </a:pPr>
             <a:r>
               <a:rPr/>
-              <a:t>Inclusive Research</a:t>
-            </a:r>
-          </a:p>
-        </p:txBody>
-      </p:sp>
-      <p:sp>
-        <p:nvSpPr>
-          <p:cNvPr id="3" name="Content Placeholder 2">
-            <a:extLst>
-              <a:ext uri="{FF2B5EF4-FFF2-40B4-BE49-F238E27FC236}">
-                <a16:creationId xmlns:a16="http://schemas.microsoft.com/office/drawing/2014/main" id="{A4EB24F9-04F1-C843-9D71-56C5C024552B}"/>
-              </a:ext>
-            </a:extLst>
-          </p:cNvPr>
-          <p:cNvSpPr>
-            <a:spLocks noGrp="1"/>
-          </p:cNvSpPr>
-          <p:nvPr>
-            <p:ph idx="1"/>
-          </p:nvPr>
-        </p:nvSpPr>
-        <p:spPr/>
-        <p:txBody>
-          <a:bodyPr/>
-          <a:lstStyle/>
-          <a:p>
-            <a:pPr lvl="0" indent="0" marL="0">
-              <a:buNone/>
-            </a:pPr>
-            <a:r>
-              <a:rPr/>
-              <a:t>Inclusive research is a term that was coined in the early twenty first century to embrace participatory and emancipatory approaches to research with people with learning/intellectual disabilities (Walmsley 2001)</a:t>
-            </a:r>
-          </a:p>
-          <a:p>
-            <a:pPr lvl="0" indent="0" marL="0">
-              <a:buNone/>
-            </a:pPr>
-            <a:r>
-              <a:rPr/>
-              <a:t>Inclusive research embraces participatory and emancipatory approaches to research. Its characteristics are that it:</a:t>
-            </a:r>
-            <a:br/>
-            <a:r>
-              <a:rPr/>
-              <a:t>· Is owned (not necessarily initiated) by lay people</a:t>
-            </a:r>
-            <a:br/>
-            <a:r>
-              <a:rPr/>
-              <a:t>· Furthers the interests of lay people, researchers are on their side</a:t>
-            </a:r>
-            <a:br/>
-            <a:r>
-              <a:rPr/>
-              <a:t>· Is collaborative</a:t>
-            </a:r>
-            <a:br/>
-            <a:r>
-              <a:rPr/>
-              <a:t>· Enables lay people to exercise control over process and outcomes</a:t>
-            </a:r>
-            <a:br/>
-            <a:r>
-              <a:rPr/>
-              <a:t>· Produces outputs that are accessible.</a:t>
-            </a:r>
-            <a:br/>
-            <a:r>
-              <a:rPr/>
-              <a:t>(adapted from Walmsley and Johnson 2003)</a:t>
-            </a:r>
-          </a:p>
-        </p:txBody>
-      </p:sp>
+              <a:t>Psychology is grossly misunderstood</a:t>
+            </a:r>
+          </a:p>
+        </p:txBody>
+      </p:sp>
+      <p:pic>
+        <p:nvPicPr>
+          <p:cNvPr descr="images/paste-20A00E59.png" id="0" name="Picture 1"/>
+          <p:cNvPicPr>
+            <a:picLocks noGrp="1" noChangeAspect="1"/>
+          </p:cNvPicPr>
+          <p:nvPr/>
+        </p:nvPicPr>
+        <p:blipFill>
+          <a:blip r:embed="rId2"/>
+          <a:stretch>
+            <a:fillRect/>
+          </a:stretch>
+        </p:blipFill>
+        <p:spPr bwMode="auto">
+          <a:xfrm>
+            <a:off x="838200" y="2578100"/>
+            <a:ext cx="10515600" cy="2806700"/>
+          </a:xfrm>
+          <a:prstGeom prst="rect">
+            <a:avLst/>
+          </a:prstGeom>
+          <a:noFill/>
+          <a:ln w="9525">
+            <a:noFill/>
+            <a:headEnd/>
+            <a:tailEnd/>
+          </a:ln>
+        </p:spPr>
+      </p:pic>
     </p:spTree>
   </p:cSld>
 </p:sld>
@@ -5175,7 +5146,7 @@
             </a:pPr>
             <a:r>
               <a:rPr/>
-              <a:t>context</a:t>
+              <a:t>Next week</a:t>
             </a:r>
           </a:p>
         </p:txBody>
@@ -5206,7 +5177,7 @@
             </a:pPr>
             <a:r>
               <a:rPr/>
-              <a:t>wider rights movement. Nothing about us without us (Aspis 2000), a slogan of the disabled people’s movement, has been applied to research as well as other areas.</a:t>
+              <a:t>The Replication Crisis and our ongoing response - Open Science</a:t>
             </a:r>
           </a:p>
           <a:p>
@@ -5215,16 +5186,7 @@
             </a:pPr>
             <a:r>
               <a:rPr/>
-              <a:t>exclusivity not only touches but also contorts and diminishes all aspects of psychological science.</a:t>
-            </a:r>
-          </a:p>
-          <a:p>
-            <a:pPr lvl="0" indent="0" marL="0">
-              <a:buNone/>
-            </a:pPr>
-            <a:r>
-              <a:rPr/>
-              <a:t>Ledgerwood et al. (2022)</a:t>
+              <a:t>The practice of Psychology we encourage in you!</a:t>
             </a:r>
           </a:p>
         </p:txBody>
@@ -5285,7 +5247,553 @@
             </a:pPr>
             <a:r>
               <a:rPr/>
-              <a:t>OSF</a:t>
+              <a:t>Research &amp; me-search</a:t>
+            </a:r>
+          </a:p>
+        </p:txBody>
+      </p:sp>
+      <p:pic>
+        <p:nvPicPr>
+          <p:cNvPr descr="images/paste-099457BD.png" id="0" name="Picture 1"/>
+          <p:cNvPicPr>
+            <a:picLocks noGrp="1" noChangeAspect="1"/>
+          </p:cNvPicPr>
+          <p:nvPr/>
+        </p:nvPicPr>
+        <p:blipFill>
+          <a:blip r:embed="rId2"/>
+          <a:stretch>
+            <a:fillRect/>
+          </a:stretch>
+        </p:blipFill>
+        <p:spPr bwMode="auto">
+          <a:xfrm>
+            <a:off x="838200" y="1943100"/>
+            <a:ext cx="10515600" cy="4089400"/>
+          </a:xfrm>
+          <a:prstGeom prst="rect">
+            <a:avLst/>
+          </a:prstGeom>
+          <a:noFill/>
+          <a:ln w="9525">
+            <a:noFill/>
+            <a:headEnd/>
+            <a:tailEnd/>
+          </a:ln>
+        </p:spPr>
+      </p:pic>
+    </p:spTree>
+  </p:cSld>
+</p:sld>
+</file>
+
+<file path=ppt/slides/slide13.xml><?xml version="1.0" encoding="utf-8"?>
+<p:sld xmlns:a="http://schemas.openxmlformats.org/drawingml/2006/main" xmlns:r="http://schemas.openxmlformats.org/officeDocument/2006/relationships" xmlns:p="http://schemas.openxmlformats.org/presentationml/2006/main">
+  <p:cSld>
+    <p:spTree>
+      <p:nvGrpSpPr>
+        <p:cNvPr id="1" name=""/>
+        <p:cNvGrpSpPr/>
+        <p:nvPr/>
+      </p:nvGrpSpPr>
+      <p:grpSpPr>
+        <a:xfrm>
+          <a:off x="0" y="0"/>
+          <a:ext cx="0" cy="0"/>
+          <a:chOff x="0" y="0"/>
+          <a:chExt cx="0" cy="0"/>
+        </a:xfrm>
+      </p:grpSpPr>
+      <p:sp>
+        <p:nvSpPr>
+          <p:cNvPr id="3" name="Content Placeholder 2">
+            <a:extLst>
+              <a:ext uri="{FF2B5EF4-FFF2-40B4-BE49-F238E27FC236}">
+                <a16:creationId xmlns:a16="http://schemas.microsoft.com/office/drawing/2014/main" id="{A4EB24F9-04F1-C843-9D71-56C5C024552B}"/>
+              </a:ext>
+            </a:extLst>
+          </p:cNvPr>
+          <p:cNvSpPr>
+            <a:spLocks noGrp="1"/>
+          </p:cNvSpPr>
+          <p:nvPr>
+            <p:ph idx="1"/>
+          </p:nvPr>
+        </p:nvSpPr>
+        <p:spPr/>
+        <p:txBody>
+          <a:bodyPr/>
+          <a:lstStyle/>
+          <a:p>
+            <a:pPr lvl="0" indent="0" marL="0">
+              <a:buNone/>
+            </a:pPr>
+            <a:r>
+              <a:rPr/>
+              <a:t>(Altenmüller et al., 2021)</a:t>
+            </a:r>
+          </a:p>
+        </p:txBody>
+      </p:sp>
+    </p:spTree>
+  </p:cSld>
+</p:sld>
+</file>
+
+<file path=ppt/slides/slide14.xml><?xml version="1.0" encoding="utf-8"?>
+<p:sld xmlns:a="http://schemas.openxmlformats.org/drawingml/2006/main" xmlns:r="http://schemas.openxmlformats.org/officeDocument/2006/relationships" xmlns:p="http://schemas.openxmlformats.org/presentationml/2006/main">
+  <p:cSld>
+    <p:spTree>
+      <p:nvGrpSpPr>
+        <p:cNvPr id="1" name=""/>
+        <p:cNvGrpSpPr/>
+        <p:nvPr/>
+      </p:nvGrpSpPr>
+      <p:grpSpPr>
+        <a:xfrm>
+          <a:off x="0" y="0"/>
+          <a:ext cx="0" cy="0"/>
+          <a:chOff x="0" y="0"/>
+          <a:chExt cx="0" cy="0"/>
+        </a:xfrm>
+      </p:grpSpPr>
+      <p:sp>
+        <p:nvSpPr>
+          <p:cNvPr id="2" name="Title 1">
+            <a:extLst>
+              <a:ext uri="{FF2B5EF4-FFF2-40B4-BE49-F238E27FC236}">
+                <a16:creationId xmlns:a16="http://schemas.microsoft.com/office/drawing/2014/main" id="{DD9B8E45-0772-954C-8D4B-6E6808DFEDED}"/>
+              </a:ext>
+            </a:extLst>
+          </p:cNvPr>
+          <p:cNvSpPr>
+            <a:spLocks noGrp="1"/>
+          </p:cNvSpPr>
+          <p:nvPr>
+            <p:ph type="title"/>
+          </p:nvPr>
+        </p:nvSpPr>
+        <p:spPr>
+          <a:xfrm>
+            <a:off x="838200" y="365129"/>
+            <a:ext cx="10002520" cy="1325563"/>
+          </a:xfrm>
+          <a:prstGeom prst="rect">
+            <a:avLst/>
+          </a:prstGeom>
+        </p:spPr>
+        <p:txBody>
+          <a:bodyPr/>
+          <a:lstStyle/>
+          <a:p>
+            <a:pPr lvl="0" indent="0" marL="0">
+              <a:buNone/>
+            </a:pPr>
+            <a:r>
+              <a:rPr/>
+              <a:t>Reflexivity</a:t>
+            </a:r>
+          </a:p>
+        </p:txBody>
+      </p:sp>
+      <p:sp>
+        <p:nvSpPr>
+          <p:cNvPr id="3" name="Content Placeholder 2">
+            <a:extLst>
+              <a:ext uri="{FF2B5EF4-FFF2-40B4-BE49-F238E27FC236}">
+                <a16:creationId xmlns:a16="http://schemas.microsoft.com/office/drawing/2014/main" id="{A4EB24F9-04F1-C843-9D71-56C5C024552B}"/>
+              </a:ext>
+            </a:extLst>
+          </p:cNvPr>
+          <p:cNvSpPr>
+            <a:spLocks noGrp="1"/>
+          </p:cNvSpPr>
+          <p:nvPr>
+            <p:ph idx="1"/>
+          </p:nvPr>
+        </p:nvSpPr>
+        <p:spPr/>
+        <p:txBody>
+          <a:bodyPr/>
+          <a:lstStyle/>
+          <a:p>
+            <a:pPr lvl="0" indent="0" marL="0">
+              <a:buNone/>
+            </a:pPr>
+            <a:r>
+              <a:rPr/>
+              <a:t>Reflexivity and the psychologist</a:t>
+            </a:r>
+          </a:p>
+          <a:p>
+            <a:pPr lvl="0" indent="0" marL="0">
+              <a:buNone/>
+            </a:pPr>
+            <a:r>
+              <a:rPr/>
+              <a:t>Reflexivity generally refers to the examination of one’s own beliefs, judgments and practices during the research process and how these may have influenced the research.</a:t>
+            </a:r>
+          </a:p>
+          <a:p>
+            <a:pPr lvl="0" indent="0" marL="0">
+              <a:buNone/>
+            </a:pPr>
+            <a:r>
+              <a:rPr/>
+              <a:t>An integral part of the Qualitative ‘tradition’</a:t>
+            </a:r>
+          </a:p>
+          <a:p>
+            <a:pPr lvl="0" indent="0" marL="0">
+              <a:buNone/>
+            </a:pPr>
+            <a:r>
+              <a:rPr/>
+              <a:t>(Morawski, 2005)</a:t>
+            </a:r>
+          </a:p>
+        </p:txBody>
+      </p:sp>
+    </p:spTree>
+  </p:cSld>
+</p:sld>
+</file>
+
+<file path=ppt/slides/slide15.xml><?xml version="1.0" encoding="utf-8"?>
+<p:sld xmlns:a="http://schemas.openxmlformats.org/drawingml/2006/main" xmlns:r="http://schemas.openxmlformats.org/officeDocument/2006/relationships" xmlns:p="http://schemas.openxmlformats.org/presentationml/2006/main">
+  <p:cSld>
+    <p:spTree>
+      <p:nvGrpSpPr>
+        <p:cNvPr id="1" name=""/>
+        <p:cNvGrpSpPr/>
+        <p:nvPr/>
+      </p:nvGrpSpPr>
+      <p:grpSpPr>
+        <a:xfrm>
+          <a:off x="0" y="0"/>
+          <a:ext cx="0" cy="0"/>
+          <a:chOff x="0" y="0"/>
+          <a:chExt cx="0" cy="0"/>
+        </a:xfrm>
+      </p:grpSpPr>
+      <p:sp>
+        <p:nvSpPr>
+          <p:cNvPr id="2" name="Title 1">
+            <a:extLst>
+              <a:ext uri="{FF2B5EF4-FFF2-40B4-BE49-F238E27FC236}">
+                <a16:creationId xmlns:a16="http://schemas.microsoft.com/office/drawing/2014/main" id="{DD9B8E45-0772-954C-8D4B-6E6808DFEDED}"/>
+              </a:ext>
+            </a:extLst>
+          </p:cNvPr>
+          <p:cNvSpPr>
+            <a:spLocks noGrp="1"/>
+          </p:cNvSpPr>
+          <p:nvPr>
+            <p:ph type="title"/>
+          </p:nvPr>
+        </p:nvSpPr>
+        <p:spPr>
+          <a:xfrm>
+            <a:off x="838200" y="365129"/>
+            <a:ext cx="10002520" cy="1325563"/>
+          </a:xfrm>
+          <a:prstGeom prst="rect">
+            <a:avLst/>
+          </a:prstGeom>
+        </p:spPr>
+        <p:txBody>
+          <a:bodyPr/>
+          <a:lstStyle/>
+          <a:p>
+            <a:pPr lvl="0" indent="0" marL="0">
+              <a:buNone/>
+            </a:pPr>
+            <a:r>
+              <a:rPr/>
+              <a:t>Inclusive Research</a:t>
+            </a:r>
+          </a:p>
+        </p:txBody>
+      </p:sp>
+      <p:sp>
+        <p:nvSpPr>
+          <p:cNvPr id="3" name="Content Placeholder 2">
+            <a:extLst>
+              <a:ext uri="{FF2B5EF4-FFF2-40B4-BE49-F238E27FC236}">
+                <a16:creationId xmlns:a16="http://schemas.microsoft.com/office/drawing/2014/main" id="{A4EB24F9-04F1-C843-9D71-56C5C024552B}"/>
+              </a:ext>
+            </a:extLst>
+          </p:cNvPr>
+          <p:cNvSpPr>
+            <a:spLocks noGrp="1"/>
+          </p:cNvSpPr>
+          <p:nvPr>
+            <p:ph idx="1"/>
+          </p:nvPr>
+        </p:nvSpPr>
+        <p:spPr/>
+        <p:txBody>
+          <a:bodyPr/>
+          <a:lstStyle/>
+          <a:p>
+            <a:pPr lvl="0" indent="0" marL="0">
+              <a:buNone/>
+            </a:pPr>
+            <a:r>
+              <a:rPr/>
+              <a:t>Inclusive research is a term that was coined in the early twenty first century to embrace participatory and emancipatory approaches to research with people with learning/intellectual disabilities (Walmsley 2001)</a:t>
+            </a:r>
+          </a:p>
+          <a:p>
+            <a:pPr lvl="0" indent="0" marL="0">
+              <a:buNone/>
+            </a:pPr>
+            <a:r>
+              <a:rPr/>
+              <a:t>Inclusive research embraces </a:t>
+            </a:r>
+            <a:r>
+              <a:rPr u="sng"/>
+              <a:t>participatory</a:t>
+            </a:r>
+            <a:r>
+              <a:rPr/>
+              <a:t> and </a:t>
+            </a:r>
+            <a:r>
+              <a:rPr u="sng"/>
+              <a:t>emancipatory</a:t>
+            </a:r>
+            <a:r>
+              <a:rPr/>
+              <a:t> approaches to research.</a:t>
+            </a:r>
+          </a:p>
+          <a:p>
+            <a:pPr lvl="0" indent="0" marL="0">
+              <a:buNone/>
+            </a:pPr>
+            <a:r>
+              <a:rPr/>
+              <a:t>Its characteristics are that it:</a:t>
+            </a:r>
+            <a:br/>
+            <a:r>
+              <a:rPr/>
+              <a:t>· Is owned (not necessarily initiated) by lay people</a:t>
+            </a:r>
+            <a:br/>
+            <a:r>
+              <a:rPr/>
+              <a:t>· Furthers the interests of lay people, researchers are on their side</a:t>
+            </a:r>
+            <a:br/>
+            <a:r>
+              <a:rPr/>
+              <a:t>· Is collaborative</a:t>
+            </a:r>
+            <a:br/>
+            <a:r>
+              <a:rPr/>
+              <a:t>· Enables lay people to exercise control over process and outcomes</a:t>
+            </a:r>
+            <a:br/>
+            <a:r>
+              <a:rPr/>
+              <a:t>· Produces outputs that are accessible.</a:t>
+            </a:r>
+            <a:br/>
+          </a:p>
+        </p:txBody>
+      </p:sp>
+    </p:spTree>
+  </p:cSld>
+</p:sld>
+</file>
+
+<file path=ppt/slides/slide16.xml><?xml version="1.0" encoding="utf-8"?>
+<p:sld xmlns:a="http://schemas.openxmlformats.org/drawingml/2006/main" xmlns:r="http://schemas.openxmlformats.org/officeDocument/2006/relationships" xmlns:p="http://schemas.openxmlformats.org/presentationml/2006/main">
+  <p:cSld>
+    <p:spTree>
+      <p:nvGrpSpPr>
+        <p:cNvPr id="1" name=""/>
+        <p:cNvGrpSpPr/>
+        <p:nvPr/>
+      </p:nvGrpSpPr>
+      <p:grpSpPr>
+        <a:xfrm>
+          <a:off x="0" y="0"/>
+          <a:ext cx="0" cy="0"/>
+          <a:chOff x="0" y="0"/>
+          <a:chExt cx="0" cy="0"/>
+        </a:xfrm>
+      </p:grpSpPr>
+      <p:sp>
+        <p:nvSpPr>
+          <p:cNvPr id="2" name="Title 1">
+            <a:extLst>
+              <a:ext uri="{FF2B5EF4-FFF2-40B4-BE49-F238E27FC236}">
+                <a16:creationId xmlns:a16="http://schemas.microsoft.com/office/drawing/2014/main" id="{DD9B8E45-0772-954C-8D4B-6E6808DFEDED}"/>
+              </a:ext>
+            </a:extLst>
+          </p:cNvPr>
+          <p:cNvSpPr>
+            <a:spLocks noGrp="1"/>
+          </p:cNvSpPr>
+          <p:nvPr>
+            <p:ph type="title"/>
+          </p:nvPr>
+        </p:nvSpPr>
+        <p:spPr>
+          <a:xfrm>
+            <a:off x="838200" y="365129"/>
+            <a:ext cx="10002520" cy="1325563"/>
+          </a:xfrm>
+          <a:prstGeom prst="rect">
+            <a:avLst/>
+          </a:prstGeom>
+        </p:spPr>
+        <p:txBody>
+          <a:bodyPr/>
+          <a:lstStyle/>
+          <a:p>
+            <a:pPr lvl="0" indent="0" marL="0">
+              <a:buNone/>
+            </a:pPr>
+            <a:r>
+              <a:rPr/>
+              <a:t>context</a:t>
+            </a:r>
+          </a:p>
+        </p:txBody>
+      </p:sp>
+      <p:sp>
+        <p:nvSpPr>
+          <p:cNvPr id="3" name="Content Placeholder 2">
+            <a:extLst>
+              <a:ext uri="{FF2B5EF4-FFF2-40B4-BE49-F238E27FC236}">
+                <a16:creationId xmlns:a16="http://schemas.microsoft.com/office/drawing/2014/main" id="{A4EB24F9-04F1-C843-9D71-56C5C024552B}"/>
+              </a:ext>
+            </a:extLst>
+          </p:cNvPr>
+          <p:cNvSpPr>
+            <a:spLocks noGrp="1"/>
+          </p:cNvSpPr>
+          <p:nvPr>
+            <p:ph idx="1"/>
+          </p:nvPr>
+        </p:nvSpPr>
+        <p:spPr/>
+        <p:txBody>
+          <a:bodyPr/>
+          <a:lstStyle/>
+          <a:p>
+            <a:pPr lvl="0" indent="0" marL="0">
+              <a:buNone/>
+            </a:pPr>
+            <a:r>
+              <a:rPr/>
+              <a:t>Research situated within the wider rights movement.</a:t>
+            </a:r>
+          </a:p>
+          <a:p>
+            <a:pPr lvl="0" indent="0" marL="0">
+              <a:spcBef>
+                <a:spcPts val="3000"/>
+              </a:spcBef>
+              <a:buNone/>
+            </a:pPr>
+            <a:r>
+              <a:rPr b="1"/>
+              <a:t>“Nothing about us without us” (Aspis, 2000).</a:t>
+            </a:r>
+          </a:p>
+          <a:p>
+            <a:pPr lvl="0" indent="0" marL="0">
+              <a:buNone/>
+            </a:pPr>
+            <a:r>
+              <a:rPr/>
+              <a:t>a slogan of the disabled people’s movement, has been applied to research as well as other areas.</a:t>
+            </a:r>
+          </a:p>
+          <a:p>
+            <a:pPr lvl="0" indent="0" marL="0">
+              <a:buNone/>
+            </a:pPr>
+            <a:r>
+              <a:rPr/>
+              <a:t>“exclusivity not only touches but also contorts and diminishes all aspects of psychological science” (Ledgerwood et al., 2022, p.2).</a:t>
+            </a:r>
+          </a:p>
+          <a:p>
+            <a:pPr lvl="0" indent="0" marL="0">
+              <a:buNone/>
+            </a:pPr>
+            <a:r>
+              <a:rPr/>
+              <a:t>Ledgerwood et al. (2022)</a:t>
+            </a:r>
+          </a:p>
+        </p:txBody>
+      </p:sp>
+    </p:spTree>
+  </p:cSld>
+</p:sld>
+</file>
+
+<file path=ppt/slides/slide17.xml><?xml version="1.0" encoding="utf-8"?>
+<p:sld xmlns:a="http://schemas.openxmlformats.org/drawingml/2006/main" xmlns:r="http://schemas.openxmlformats.org/officeDocument/2006/relationships" xmlns:p="http://schemas.openxmlformats.org/presentationml/2006/main">
+  <p:cSld>
+    <p:spTree>
+      <p:nvGrpSpPr>
+        <p:cNvPr id="1" name=""/>
+        <p:cNvGrpSpPr/>
+        <p:nvPr/>
+      </p:nvGrpSpPr>
+      <p:grpSpPr>
+        <a:xfrm>
+          <a:off x="0" y="0"/>
+          <a:ext cx="0" cy="0"/>
+          <a:chOff x="0" y="0"/>
+          <a:chExt cx="0" cy="0"/>
+        </a:xfrm>
+      </p:grpSpPr>
+      <p:sp>
+        <p:nvSpPr>
+          <p:cNvPr id="2" name="Title 1">
+            <a:extLst>
+              <a:ext uri="{FF2B5EF4-FFF2-40B4-BE49-F238E27FC236}">
+                <a16:creationId xmlns:a16="http://schemas.microsoft.com/office/drawing/2014/main" id="{DD9B8E45-0772-954C-8D4B-6E6808DFEDED}"/>
+              </a:ext>
+            </a:extLst>
+          </p:cNvPr>
+          <p:cNvSpPr>
+            <a:spLocks noGrp="1"/>
+          </p:cNvSpPr>
+          <p:nvPr>
+            <p:ph type="title"/>
+          </p:nvPr>
+        </p:nvSpPr>
+        <p:spPr>
+          <a:xfrm>
+            <a:off x="838200" y="365129"/>
+            <a:ext cx="10002520" cy="1325563"/>
+          </a:xfrm>
+          <a:prstGeom prst="rect">
+            <a:avLst/>
+          </a:prstGeom>
+        </p:spPr>
+        <p:txBody>
+          <a:bodyPr/>
+          <a:lstStyle/>
+          <a:p>
+            <a:pPr lvl="0" indent="0" marL="0">
+              <a:buNone/>
+            </a:pPr>
+            <a:r>
+              <a:rPr/>
+              <a:t>OSF (Open Science Foundation)</a:t>
             </a:r>
           </a:p>
         </p:txBody>
@@ -5325,7 +5833,414 @@
 </p:sld>
 </file>
 
-<file path=ppt/slides/slide13.xml><?xml version="1.0" encoding="utf-8"?>
+<file path=ppt/slides/slide18.xml><?xml version="1.0" encoding="utf-8"?>
+<p:sld xmlns:a="http://schemas.openxmlformats.org/drawingml/2006/main" xmlns:r="http://schemas.openxmlformats.org/officeDocument/2006/relationships" xmlns:p="http://schemas.openxmlformats.org/presentationml/2006/main">
+  <p:cSld>
+    <p:spTree>
+      <p:nvGrpSpPr>
+        <p:cNvPr id="1" name=""/>
+        <p:cNvGrpSpPr/>
+        <p:nvPr/>
+      </p:nvGrpSpPr>
+      <p:grpSpPr>
+        <a:xfrm>
+          <a:off x="0" y="0"/>
+          <a:ext cx="0" cy="0"/>
+          <a:chOff x="0" y="0"/>
+          <a:chExt cx="0" cy="0"/>
+        </a:xfrm>
+      </p:grpSpPr>
+      <p:sp>
+        <p:nvSpPr>
+          <p:cNvPr id="2" name="Title 1">
+            <a:extLst>
+              <a:ext uri="{FF2B5EF4-FFF2-40B4-BE49-F238E27FC236}">
+                <a16:creationId xmlns:a16="http://schemas.microsoft.com/office/drawing/2014/main" id="{DD9B8E45-0772-954C-8D4B-6E6808DFEDED}"/>
+              </a:ext>
+            </a:extLst>
+          </p:cNvPr>
+          <p:cNvSpPr>
+            <a:spLocks noGrp="1"/>
+          </p:cNvSpPr>
+          <p:nvPr>
+            <p:ph type="title"/>
+          </p:nvPr>
+        </p:nvSpPr>
+        <p:spPr>
+          <a:xfrm>
+            <a:off x="838200" y="365129"/>
+            <a:ext cx="10002520" cy="1325563"/>
+          </a:xfrm>
+          <a:prstGeom prst="rect">
+            <a:avLst/>
+          </a:prstGeom>
+        </p:spPr>
+        <p:txBody>
+          <a:bodyPr/>
+          <a:lstStyle/>
+          <a:p>
+            <a:pPr lvl="0" indent="0" marL="0">
+              <a:buNone/>
+            </a:pPr>
+            <a:r>
+              <a:rPr/>
+              <a:t>Open Data and Open Materials</a:t>
+            </a:r>
+          </a:p>
+        </p:txBody>
+      </p:sp>
+      <p:pic>
+        <p:nvPicPr>
+          <p:cNvPr descr="images/paste-CD2465BA.png" id="0" name="Picture 1"/>
+          <p:cNvPicPr>
+            <a:picLocks noGrp="1" noChangeAspect="1"/>
+          </p:cNvPicPr>
+          <p:nvPr/>
+        </p:nvPicPr>
+        <p:blipFill>
+          <a:blip r:embed="rId2"/>
+          <a:stretch>
+            <a:fillRect/>
+          </a:stretch>
+        </p:blipFill>
+        <p:spPr bwMode="auto">
+          <a:xfrm>
+            <a:off x="3136900" y="1816100"/>
+            <a:ext cx="5918200" cy="4343400"/>
+          </a:xfrm>
+          <a:prstGeom prst="rect">
+            <a:avLst/>
+          </a:prstGeom>
+          <a:noFill/>
+          <a:ln w="9525">
+            <a:noFill/>
+            <a:headEnd/>
+            <a:tailEnd/>
+          </a:ln>
+        </p:spPr>
+      </p:pic>
+    </p:spTree>
+  </p:cSld>
+</p:sld>
+</file>
+
+<file path=ppt/slides/slide19.xml><?xml version="1.0" encoding="utf-8"?>
+<p:sld xmlns:a="http://schemas.openxmlformats.org/drawingml/2006/main" xmlns:r="http://schemas.openxmlformats.org/officeDocument/2006/relationships" xmlns:p="http://schemas.openxmlformats.org/presentationml/2006/main">
+  <p:cSld>
+    <p:spTree>
+      <p:nvGrpSpPr>
+        <p:cNvPr id="1" name=""/>
+        <p:cNvGrpSpPr/>
+        <p:nvPr/>
+      </p:nvGrpSpPr>
+      <p:grpSpPr>
+        <a:xfrm>
+          <a:off x="0" y="0"/>
+          <a:ext cx="0" cy="0"/>
+          <a:chOff x="0" y="0"/>
+          <a:chExt cx="0" cy="0"/>
+        </a:xfrm>
+      </p:grpSpPr>
+      <p:sp>
+        <p:nvSpPr>
+          <p:cNvPr id="2" name="Title 1">
+            <a:extLst>
+              <a:ext uri="{FF2B5EF4-FFF2-40B4-BE49-F238E27FC236}">
+                <a16:creationId xmlns:a16="http://schemas.microsoft.com/office/drawing/2014/main" id="{DD9B8E45-0772-954C-8D4B-6E6808DFEDED}"/>
+              </a:ext>
+            </a:extLst>
+          </p:cNvPr>
+          <p:cNvSpPr>
+            <a:spLocks noGrp="1"/>
+          </p:cNvSpPr>
+          <p:nvPr>
+            <p:ph type="title"/>
+          </p:nvPr>
+        </p:nvSpPr>
+        <p:spPr>
+          <a:xfrm>
+            <a:off x="838200" y="365129"/>
+            <a:ext cx="10002520" cy="1325563"/>
+          </a:xfrm>
+          <a:prstGeom prst="rect">
+            <a:avLst/>
+          </a:prstGeom>
+        </p:spPr>
+        <p:txBody>
+          <a:bodyPr/>
+          <a:lstStyle/>
+          <a:p>
+            <a:pPr lvl="0" indent="0" marL="0">
+              <a:buNone/>
+            </a:pPr>
+            <a:r>
+              <a:rPr/>
+              <a:t>Open Data</a:t>
+            </a:r>
+          </a:p>
+        </p:txBody>
+      </p:sp>
+      <p:pic>
+        <p:nvPicPr>
+          <p:cNvPr descr="images/paste-4D9E8FC8.png" id="0" name="Picture 1"/>
+          <p:cNvPicPr>
+            <a:picLocks noGrp="1" noChangeAspect="1"/>
+          </p:cNvPicPr>
+          <p:nvPr/>
+        </p:nvPicPr>
+        <p:blipFill>
+          <a:blip r:embed="rId2"/>
+          <a:stretch>
+            <a:fillRect/>
+          </a:stretch>
+        </p:blipFill>
+        <p:spPr bwMode="auto">
+          <a:xfrm>
+            <a:off x="2603500" y="1816100"/>
+            <a:ext cx="6997700" cy="4343400"/>
+          </a:xfrm>
+          <a:prstGeom prst="rect">
+            <a:avLst/>
+          </a:prstGeom>
+          <a:noFill/>
+          <a:ln w="9525">
+            <a:noFill/>
+            <a:headEnd/>
+            <a:tailEnd/>
+          </a:ln>
+        </p:spPr>
+      </p:pic>
+    </p:spTree>
+  </p:cSld>
+</p:sld>
+</file>
+
+<file path=ppt/slides/slide2.xml><?xml version="1.0" encoding="utf-8"?>
+<p:sld xmlns:a="http://schemas.openxmlformats.org/drawingml/2006/main" xmlns:r="http://schemas.openxmlformats.org/officeDocument/2006/relationships" xmlns:p="http://schemas.openxmlformats.org/presentationml/2006/main">
+  <p:cSld>
+    <p:spTree>
+      <p:nvGrpSpPr>
+        <p:cNvPr id="1" name=""/>
+        <p:cNvGrpSpPr/>
+        <p:nvPr/>
+      </p:nvGrpSpPr>
+      <p:grpSpPr>
+        <a:xfrm>
+          <a:off x="0" y="0"/>
+          <a:ext cx="0" cy="0"/>
+          <a:chOff x="0" y="0"/>
+          <a:chExt cx="0" cy="0"/>
+        </a:xfrm>
+      </p:grpSpPr>
+      <p:sp>
+        <p:nvSpPr>
+          <p:cNvPr id="2" name="Title 1">
+            <a:extLst>
+              <a:ext uri="{FF2B5EF4-FFF2-40B4-BE49-F238E27FC236}">
+                <a16:creationId xmlns:a16="http://schemas.microsoft.com/office/drawing/2014/main" id="{DD9B8E45-0772-954C-8D4B-6E6808DFEDED}"/>
+              </a:ext>
+            </a:extLst>
+          </p:cNvPr>
+          <p:cNvSpPr>
+            <a:spLocks noGrp="1"/>
+          </p:cNvSpPr>
+          <p:nvPr>
+            <p:ph type="title"/>
+          </p:nvPr>
+        </p:nvSpPr>
+        <p:spPr>
+          <a:xfrm>
+            <a:off x="838200" y="365129"/>
+            <a:ext cx="10002520" cy="1325563"/>
+          </a:xfrm>
+          <a:prstGeom prst="rect">
+            <a:avLst/>
+          </a:prstGeom>
+        </p:spPr>
+        <p:txBody>
+          <a:bodyPr/>
+          <a:lstStyle/>
+          <a:p>
+            <a:pPr lvl="0" indent="0" marL="0">
+              <a:buNone/>
+            </a:pPr>
+            <a:r>
+              <a:rPr/>
+              <a:t>Key topics today</a:t>
+            </a:r>
+          </a:p>
+        </p:txBody>
+      </p:sp>
+      <p:sp>
+        <p:nvSpPr>
+          <p:cNvPr id="3" name="Content Placeholder 2">
+            <a:extLst>
+              <a:ext uri="{FF2B5EF4-FFF2-40B4-BE49-F238E27FC236}">
+                <a16:creationId xmlns:a16="http://schemas.microsoft.com/office/drawing/2014/main" id="{A4EB24F9-04F1-C843-9D71-56C5C024552B}"/>
+              </a:ext>
+            </a:extLst>
+          </p:cNvPr>
+          <p:cNvSpPr>
+            <a:spLocks noGrp="1"/>
+          </p:cNvSpPr>
+          <p:nvPr>
+            <p:ph idx="1"/>
+          </p:nvPr>
+        </p:nvSpPr>
+        <p:spPr/>
+        <p:txBody>
+          <a:bodyPr/>
+          <a:lstStyle/>
+          <a:p>
+            <a:pPr lvl="0" indent="0" marL="0">
+              <a:buNone/>
+            </a:pPr>
+            <a:r>
+              <a:rPr/>
+              <a:t>The week ahead (week 4)</a:t>
+            </a:r>
+          </a:p>
+          <a:p>
+            <a:pPr lvl="0"/>
+            <a:r>
+              <a:rPr/>
+              <a:t>Personal Tutor Meeting about well-being</a:t>
+            </a:r>
+          </a:p>
+          <a:p>
+            <a:pPr lvl="0"/>
+            <a:r>
+              <a:rPr/>
+              <a:t>Departmental Seminar (week 5)</a:t>
+            </a:r>
+          </a:p>
+          <a:p>
+            <a:pPr lvl="0"/>
+            <a:r>
+              <a:rPr/>
+              <a:t>Design &amp; Analysis Quiz due next week (week 5)</a:t>
+            </a:r>
+          </a:p>
+          <a:p>
+            <a:pPr lvl="0"/>
+            <a:r>
+              <a:rPr/>
+              <a:t>Research as a human enterprise</a:t>
+            </a:r>
+          </a:p>
+          <a:p>
+            <a:pPr lvl="0"/>
+            <a:r>
+              <a:rPr/>
+              <a:t>Lab preview - Keep pressing on with Critical Proposal (due week 5)</a:t>
+            </a:r>
+          </a:p>
+          <a:p>
+            <a:pPr lvl="1"/>
+            <a:r>
+              <a:rPr/>
+              <a:t>Try to nail down your variables and your design ON THE PAGE!</a:t>
+            </a:r>
+          </a:p>
+        </p:txBody>
+      </p:sp>
+    </p:spTree>
+  </p:cSld>
+</p:sld>
+</file>
+
+<file path=ppt/slides/slide20.xml><?xml version="1.0" encoding="utf-8"?>
+<p:sld xmlns:a="http://schemas.openxmlformats.org/drawingml/2006/main" xmlns:r="http://schemas.openxmlformats.org/officeDocument/2006/relationships" xmlns:p="http://schemas.openxmlformats.org/presentationml/2006/main">
+  <p:cSld>
+    <p:spTree>
+      <p:nvGrpSpPr>
+        <p:cNvPr id="1" name=""/>
+        <p:cNvGrpSpPr/>
+        <p:nvPr/>
+      </p:nvGrpSpPr>
+      <p:grpSpPr>
+        <a:xfrm>
+          <a:off x="0" y="0"/>
+          <a:ext cx="0" cy="0"/>
+          <a:chOff x="0" y="0"/>
+          <a:chExt cx="0" cy="0"/>
+        </a:xfrm>
+      </p:grpSpPr>
+      <p:sp>
+        <p:nvSpPr>
+          <p:cNvPr id="2" name="Title 1">
+            <a:extLst>
+              <a:ext uri="{FF2B5EF4-FFF2-40B4-BE49-F238E27FC236}">
+                <a16:creationId xmlns:a16="http://schemas.microsoft.com/office/drawing/2014/main" id="{DD9B8E45-0772-954C-8D4B-6E6808DFEDED}"/>
+              </a:ext>
+            </a:extLst>
+          </p:cNvPr>
+          <p:cNvSpPr>
+            <a:spLocks noGrp="1"/>
+          </p:cNvSpPr>
+          <p:nvPr>
+            <p:ph type="title"/>
+          </p:nvPr>
+        </p:nvSpPr>
+        <p:spPr>
+          <a:xfrm>
+            <a:off x="838200" y="365129"/>
+            <a:ext cx="10002520" cy="1325563"/>
+          </a:xfrm>
+          <a:prstGeom prst="rect">
+            <a:avLst/>
+          </a:prstGeom>
+        </p:spPr>
+        <p:txBody>
+          <a:bodyPr/>
+          <a:lstStyle/>
+          <a:p>
+            <a:pPr lvl="0" indent="0" marL="0">
+              <a:buNone/>
+            </a:pPr>
+            <a:r>
+              <a:rPr/>
+              <a:t>Open Materials</a:t>
+            </a:r>
+          </a:p>
+        </p:txBody>
+      </p:sp>
+      <p:pic>
+        <p:nvPicPr>
+          <p:cNvPr descr="images/paste-037992D4.png" id="0" name="Picture 1"/>
+          <p:cNvPicPr>
+            <a:picLocks noGrp="1" noChangeAspect="1"/>
+          </p:cNvPicPr>
+          <p:nvPr/>
+        </p:nvPicPr>
+        <p:blipFill>
+          <a:blip r:embed="rId2"/>
+          <a:stretch>
+            <a:fillRect/>
+          </a:stretch>
+        </p:blipFill>
+        <p:spPr bwMode="auto">
+          <a:xfrm>
+            <a:off x="3035300" y="1816100"/>
+            <a:ext cx="6108700" cy="4343400"/>
+          </a:xfrm>
+          <a:prstGeom prst="rect">
+            <a:avLst/>
+          </a:prstGeom>
+          <a:noFill/>
+          <a:ln w="9525">
+            <a:noFill/>
+            <a:headEnd/>
+            <a:tailEnd/>
+          </a:ln>
+        </p:spPr>
+      </p:pic>
+    </p:spTree>
+  </p:cSld>
+</p:sld>
+</file>
+
+<file path=ppt/slides/slide21.xml><?xml version="1.0" encoding="utf-8"?>
 <p:sld xmlns:a="http://schemas.openxmlformats.org/drawingml/2006/main" xmlns:r="http://schemas.openxmlformats.org/officeDocument/2006/relationships" xmlns:p="http://schemas.openxmlformats.org/presentationml/2006/main">
   <p:cSld>
     <p:spTree>
@@ -5447,7 +6362,7 @@
 </p:sld>
 </file>
 
-<file path=ppt/slides/slide14.xml><?xml version="1.0" encoding="utf-8"?>
+<file path=ppt/slides/slide22.xml><?xml version="1.0" encoding="utf-8"?>
 <p:sld xmlns:a="http://schemas.openxmlformats.org/drawingml/2006/main" xmlns:r="http://schemas.openxmlformats.org/officeDocument/2006/relationships" xmlns:p="http://schemas.openxmlformats.org/presentationml/2006/main">
   <p:cSld>
     <p:spTree>
@@ -5508,7 +6423,7 @@
 </p:sld>
 </file>
 
-<file path=ppt/slides/slide15.xml><?xml version="1.0" encoding="utf-8"?>
+<file path=ppt/slides/slide23.xml><?xml version="1.0" encoding="utf-8"?>
 <p:sld xmlns:a="http://schemas.openxmlformats.org/drawingml/2006/main" xmlns:r="http://schemas.openxmlformats.org/officeDocument/2006/relationships" xmlns:p="http://schemas.openxmlformats.org/presentationml/2006/main">
   <p:cSld>
     <p:spTree>
@@ -5591,6 +6506,15 @@
             <a:r>
               <a:rPr/>
               <a:t>Keep working!</a:t>
+            </a:r>
+          </a:p>
+          <a:p>
+            <a:pPr lvl="0" indent="0" marL="0">
+              <a:buNone/>
+            </a:pPr>
+            <a:r>
+              <a:rPr/>
+              <a:t>Formalise your individual design</a:t>
             </a:r>
           </a:p>
         </p:txBody>
@@ -5630,7 +6554,7 @@
 </p:sld>
 </file>
 
-<file path=ppt/slides/slide16.xml><?xml version="1.0" encoding="utf-8"?>
+<file path=ppt/slides/slide24.xml><?xml version="1.0" encoding="utf-8"?>
 <p:sld xmlns:a="http://schemas.openxmlformats.org/drawingml/2006/main" xmlns:r="http://schemas.openxmlformats.org/officeDocument/2006/relationships" xmlns:p="http://schemas.openxmlformats.org/presentationml/2006/main">
   <p:cSld>
     <p:spTree>
@@ -5647,6 +6571,45 @@
           <a:chExt cx="0" cy="0"/>
         </a:xfrm>
       </p:grpSpPr>
+      <p:sp>
+        <p:nvSpPr>
+          <p:cNvPr id="2" name="Title 1">
+            <a:extLst>
+              <a:ext uri="{FF2B5EF4-FFF2-40B4-BE49-F238E27FC236}">
+                <a16:creationId xmlns:a16="http://schemas.microsoft.com/office/drawing/2014/main" id="{DD9B8E45-0772-954C-8D4B-6E6808DFEDED}"/>
+              </a:ext>
+            </a:extLst>
+          </p:cNvPr>
+          <p:cNvSpPr>
+            <a:spLocks noGrp="1"/>
+          </p:cNvSpPr>
+          <p:nvPr>
+            <p:ph type="title"/>
+          </p:nvPr>
+        </p:nvSpPr>
+        <p:spPr>
+          <a:xfrm>
+            <a:off x="838200" y="365129"/>
+            <a:ext cx="10002520" cy="1325563"/>
+          </a:xfrm>
+          <a:prstGeom prst="rect">
+            <a:avLst/>
+          </a:prstGeom>
+        </p:spPr>
+        <p:txBody>
+          <a:bodyPr/>
+          <a:lstStyle/>
+          <a:p>
+            <a:pPr lvl="0" indent="0" marL="0">
+              <a:buNone/>
+            </a:pPr>
+            <a:r>
+              <a:rPr/>
+              <a:t>More specific</a:t>
+            </a:r>
+          </a:p>
+        </p:txBody>
+      </p:sp>
       <p:pic>
         <p:nvPicPr>
           <p:cNvPr descr="images/paste-96A3FF92.png" id="0" name="Picture 1"/>
@@ -5682,7 +6645,7 @@
 </p:sld>
 </file>
 
-<file path=ppt/slides/slide17.xml><?xml version="1.0" encoding="utf-8"?>
+<file path=ppt/slides/slide25.xml><?xml version="1.0" encoding="utf-8"?>
 <p:sld xmlns:a="http://schemas.openxmlformats.org/drawingml/2006/main" xmlns:r="http://schemas.openxmlformats.org/officeDocument/2006/relationships" xmlns:p="http://schemas.openxmlformats.org/presentationml/2006/main">
   <p:cSld>
     <p:spTree>
@@ -5772,8 +6735,12 @@
               <a:buNone/>
             </a:pPr>
             <a:r>
-              <a:rPr/>
-              <a:t>2x2 = Two-way ANOVA. There are two IVS, the first IV has two levels, the second IV has 2 levels. There are a total of 4 conditions, 2x2 = 4.</a:t>
+              <a:rPr u="sng"/>
+              <a:t>2x2 = Two-way ANOVA</a:t>
+            </a:r>
+            <a:r>
+              <a:rPr/>
+              <a:t>. There are two IVS, the first IV has two levels, the second IV has 2 levels. There are a total of 4 conditions, 2x2 = 4.</a:t>
             </a:r>
           </a:p>
           <a:p>
@@ -5781,8 +6748,12 @@
               <a:buNone/>
             </a:pPr>
             <a:r>
-              <a:rPr/>
-              <a:t>2x3 = Two-way ANOVA. There are two IVs, the first IV has two levels, the second IV has three levels. There are a total of 6 conditions, 2x3 = 6</a:t>
+              <a:rPr u="sng"/>
+              <a:t>2x3 = Two-way ANOVA.</a:t>
+            </a:r>
+            <a:r>
+              <a:rPr/>
+              <a:t> There are two IVs, the first IV has two levels, the second IV has three levels. There are a total of 6 conditions, 2x3 = 6</a:t>
             </a:r>
           </a:p>
           <a:p>
@@ -5790,8 +6761,12 @@
               <a:buNone/>
             </a:pPr>
             <a:r>
-              <a:rPr/>
-              <a:t>3x2 = Two-way ANOVA. There are two IVs, the first IV has three levels, the second IV has two levels. There are a total of 6 conditions, 3x2=6.</a:t>
+              <a:rPr u="sng"/>
+              <a:t>4x4 = Two-way ANOVA.</a:t>
+            </a:r>
+            <a:r>
+              <a:rPr/>
+              <a:t> There are two IVs, the first IV has 4 levels, the second IV has 4 levels. There are a total of 16 condition, 4x4=16</a:t>
             </a:r>
           </a:p>
           <a:p>
@@ -5799,17 +6774,12 @@
               <a:buNone/>
             </a:pPr>
             <a:r>
-              <a:rPr/>
-              <a:t>4x4 = Two-way ANOVA. There are two IVs, the first IV has 4 levels, the second IV has 4 levels. There are a total of 16 condition, 4x4=16</a:t>
-            </a:r>
-          </a:p>
-          <a:p>
-            <a:pPr lvl="0" indent="0" marL="0">
-              <a:buNone/>
-            </a:pPr>
-            <a:r>
-              <a:rPr/>
-              <a:t>2x3x2 = Three-way ANOVA.There are a total of three IVs. The first IV has 2 levels. The second IV has 3 levels. The third IV has 2 levels. There are a total of 12 condition. 2x3x2 = 12.</a:t>
+              <a:rPr b="1" u="sng"/>
+              <a:t>2x3x2 = Three-way ANOVA</a:t>
+            </a:r>
+            <a:r>
+              <a:rPr/>
+              <a:t>.There are a total of three IVs. The first IV has 2 levels. The second IV has 3 levels. The third IV has 2 levels. There are a total of 12 condition. 2x3x2 = 12.</a:t>
             </a:r>
           </a:p>
         </p:txBody>
@@ -5819,7 +6789,7 @@
 </p:sld>
 </file>
 
-<file path=ppt/slides/slide18.xml><?xml version="1.0" encoding="utf-8"?>
+<file path=ppt/slides/slide26.xml><?xml version="1.0" encoding="utf-8"?>
 <p:sld xmlns:a="http://schemas.openxmlformats.org/drawingml/2006/main" xmlns:r="http://schemas.openxmlformats.org/officeDocument/2006/relationships" xmlns:p="http://schemas.openxmlformats.org/presentationml/2006/main">
   <p:cSld>
     <p:spTree>
@@ -5937,62 +6907,6 @@
               <a:t>https://crumplab.com/statistics/10-MixedANOVA.html#x2-designs</a:t>
             </a:r>
           </a:p>
-          <a:p>
-            <a:pPr lvl="0"/>
-            <a:r>
-              <a:rPr/>
-              <a:t>no IV1 main effect, no IV2 main effect, no interaction</a:t>
-            </a:r>
-          </a:p>
-          <a:p>
-            <a:pPr lvl="0"/>
-            <a:r>
-              <a:rPr/>
-              <a:t>IV1 main effect, no IV2 main effect, no interaction</a:t>
-            </a:r>
-          </a:p>
-          <a:p>
-            <a:pPr lvl="0"/>
-            <a:r>
-              <a:rPr/>
-              <a:t>IV1 main effect, no IV2 main effect, interaction</a:t>
-            </a:r>
-          </a:p>
-          <a:p>
-            <a:pPr lvl="0"/>
-            <a:r>
-              <a:rPr/>
-              <a:t>IV1 main effect, IV2 main effect, no interaction</a:t>
-            </a:r>
-          </a:p>
-          <a:p>
-            <a:pPr lvl="0"/>
-            <a:r>
-              <a:rPr/>
-              <a:t>IV1 main effect, IV2 main effect, interaction</a:t>
-            </a:r>
-          </a:p>
-          <a:p>
-            <a:pPr lvl="0"/>
-            <a:r>
-              <a:rPr/>
-              <a:t>no IV1 main effect, IV2 main effect, no interaction</a:t>
-            </a:r>
-          </a:p>
-          <a:p>
-            <a:pPr lvl="0"/>
-            <a:r>
-              <a:rPr/>
-              <a:t>no IV1 main effect, IV2 main effect, interaction</a:t>
-            </a:r>
-          </a:p>
-          <a:p>
-            <a:pPr lvl="0"/>
-            <a:r>
-              <a:rPr/>
-              <a:t>no IV1 main effect, no IV2 main effect, interaction</a:t>
-            </a:r>
-          </a:p>
         </p:txBody>
       </p:sp>
     </p:spTree>
@@ -6000,7 +6914,7 @@
 </p:sld>
 </file>
 
-<file path=ppt/slides/slide19.xml><?xml version="1.0" encoding="utf-8"?>
+<file path=ppt/slides/slide27.xml><?xml version="1.0" encoding="utf-8"?>
 <p:sld xmlns:a="http://schemas.openxmlformats.org/drawingml/2006/main" xmlns:r="http://schemas.openxmlformats.org/officeDocument/2006/relationships" xmlns:p="http://schemas.openxmlformats.org/presentationml/2006/main">
   <p:cSld>
     <p:spTree>
@@ -6051,7 +6965,7 @@
             </a:pPr>
             <a:r>
               <a:rPr/>
-              <a:t>graphs</a:t>
+              <a:t>3 ‘flavours’ of 2x2 ANOVA</a:t>
             </a:r>
           </a:p>
         </p:txBody>
@@ -6077,69 +6991,68 @@
           <a:bodyPr/>
           <a:lstStyle/>
           <a:p>
-            <a:pPr lvl="0"/>
-            <a:r>
-              <a:rPr/>
-              <a:t>1 = there was a main effect for IV1.</a:t>
-            </a:r>
-          </a:p>
-          <a:p>
-            <a:pPr lvl="0"/>
-            <a:r>
-              <a:rPr/>
-              <a:t>~1 = there was </a:t>
-            </a:r>
+            <a:pPr lvl="0" indent="0" marL="0">
+              <a:buNone/>
+            </a:pPr>
             <a:r>
               <a:rPr b="1"/>
-              <a:t>not</a:t>
-            </a:r>
-            <a:r>
-              <a:rPr/>
-              <a:t> a main effect for IV1</a:t>
-            </a:r>
-          </a:p>
-          <a:p>
-            <a:pPr lvl="0"/>
-            <a:r>
-              <a:rPr/>
-              <a:t>2 = there was a main effect for IV2</a:t>
-            </a:r>
-          </a:p>
-          <a:p>
-            <a:pPr lvl="0"/>
-            <a:r>
-              <a:rPr/>
-              <a:t>~2 = there was </a:t>
-            </a:r>
+              <a:t>2bx2b</a:t>
+            </a:r>
+            <a:r>
+              <a:rPr/>
+              <a:t> - Between-subjects/Factorial ANOVA</a:t>
+            </a:r>
+          </a:p>
+          <a:p>
+            <a:pPr lvl="0" indent="0" marL="0">
+              <a:buNone/>
+            </a:pPr>
             <a:r>
               <a:rPr b="1"/>
-              <a:t>not</a:t>
-            </a:r>
-            <a:r>
-              <a:rPr/>
-              <a:t> a main effect of IV2</a:t>
-            </a:r>
-          </a:p>
-          <a:p>
-            <a:pPr lvl="0"/>
-            <a:r>
-              <a:rPr/>
-              <a:t>1x2 = there was an interaction</a:t>
-            </a:r>
-          </a:p>
-          <a:p>
-            <a:pPr lvl="0"/>
-            <a:r>
-              <a:rPr/>
-              <a:t>~1x2 = there was </a:t>
-            </a:r>
+              <a:t>2wx2w</a:t>
+            </a:r>
+            <a:r>
+              <a:rPr/>
+              <a:t> - Within-subject/Repeated Measures ANOVA</a:t>
+            </a:r>
+          </a:p>
+          <a:p>
+            <a:pPr lvl="0" indent="0" marL="0">
+              <a:buNone/>
+            </a:pPr>
             <a:r>
               <a:rPr b="1"/>
-              <a:t>not</a:t>
-            </a:r>
-            <a:r>
-              <a:rPr/>
-              <a:t> an interaction</a:t>
+              <a:t>2bx2w</a:t>
+            </a:r>
+            <a:r>
+              <a:rPr/>
+              <a:t> or </a:t>
+            </a:r>
+            <a:r>
+              <a:rPr b="1"/>
+              <a:t>2wx2b</a:t>
+            </a:r>
+            <a:r>
+              <a:rPr/>
+              <a:t> - Mixed ANOVA</a:t>
+            </a:r>
+          </a:p>
+          <a:p>
+            <a:pPr lvl="0" indent="0" marL="0">
+              <a:buNone/>
+            </a:pPr>
+            <a:r>
+              <a:rPr/>
+              <a:t>You will be using one of these (all supported by SPSS Exercise 1)</a:t>
+            </a:r>
+          </a:p>
+          <a:p>
+            <a:pPr lvl="0" indent="0" marL="0">
+              <a:buNone/>
+            </a:pPr>
+            <a:r>
+              <a:rPr/>
+              <a:t>JAMOVI is a reasonable alternative to SPSS</a:t>
             </a:r>
           </a:p>
         </p:txBody>
@@ -6149,7 +7062,7 @@
 </p:sld>
 </file>
 
-<file path=ppt/slides/slide2.xml><?xml version="1.0" encoding="utf-8"?>
+<file path=ppt/slides/slide28.xml><?xml version="1.0" encoding="utf-8"?>
 <p:sld xmlns:a="http://schemas.openxmlformats.org/drawingml/2006/main" xmlns:r="http://schemas.openxmlformats.org/officeDocument/2006/relationships" xmlns:p="http://schemas.openxmlformats.org/presentationml/2006/main">
   <p:cSld>
     <p:spTree>
@@ -6200,7 +7113,7 @@
             </a:pPr>
             <a:r>
               <a:rPr/>
-              <a:t>Key topics today</a:t>
+              <a:t>The 3 effects possible in a 2x2 ANOVA</a:t>
             </a:r>
           </a:p>
         </p:txBody>
@@ -6231,35 +7144,25 @@
             </a:pPr>
             <a:r>
               <a:rPr/>
-              <a:t>The week ahead (week 4)</a:t>
-            </a:r>
-          </a:p>
-          <a:p>
-            <a:pPr lvl="0"/>
-            <a:r>
-              <a:rPr/>
-              <a:t>Personal Tutor Meeting about well-being</a:t>
-            </a:r>
-          </a:p>
-          <a:p>
-            <a:pPr lvl="0"/>
-            <a:r>
-              <a:rPr/>
-              <a:t>Critical Proposal overview and tips</a:t>
-            </a:r>
-          </a:p>
-          <a:p>
-            <a:pPr lvl="0"/>
-            <a:r>
-              <a:rPr/>
-              <a:t>Lab preview - Literature search and management</a:t>
-            </a:r>
-          </a:p>
-          <a:p>
-            <a:pPr lvl="1"/>
-            <a:r>
-              <a:rPr/>
-              <a:t>Your Critical Proposal Target Paper</a:t>
+              <a:t>Main effect of IV1</a:t>
+            </a:r>
+          </a:p>
+          <a:p>
+            <a:pPr lvl="0" indent="0" marL="0">
+              <a:buNone/>
+            </a:pPr>
+            <a:r>
+              <a:rPr/>
+              <a:t>Main effect of IV2</a:t>
+            </a:r>
+          </a:p>
+          <a:p>
+            <a:pPr lvl="0" indent="0" marL="0">
+              <a:buNone/>
+            </a:pPr>
+            <a:r>
+              <a:rPr/>
+              <a:t>Interaction of IV1*IV2</a:t>
             </a:r>
           </a:p>
         </p:txBody>
@@ -6269,7 +7172,7 @@
 </p:sld>
 </file>
 
-<file path=ppt/slides/slide20.xml><?xml version="1.0" encoding="utf-8"?>
+<file path=ppt/slides/slide29.xml><?xml version="1.0" encoding="utf-8"?>
 <p:sld xmlns:a="http://schemas.openxmlformats.org/drawingml/2006/main" xmlns:r="http://schemas.openxmlformats.org/officeDocument/2006/relationships" xmlns:p="http://schemas.openxmlformats.org/presentationml/2006/main">
   <p:cSld>
     <p:spTree>
@@ -6320,7 +7223,416 @@
             </a:pPr>
             <a:r>
               <a:rPr/>
-              <a:t>graphs</a:t>
+              <a:t>therefore 8 possible ‘outcomes’ of a 2x2 ANOVA</a:t>
+            </a:r>
+          </a:p>
+        </p:txBody>
+      </p:sp>
+      <p:sp>
+        <p:nvSpPr>
+          <p:cNvPr id="3" name="Content Placeholder 2">
+            <a:extLst>
+              <a:ext uri="{FF2B5EF4-FFF2-40B4-BE49-F238E27FC236}">
+                <a16:creationId xmlns:a16="http://schemas.microsoft.com/office/drawing/2014/main" id="{A4EB24F9-04F1-C843-9D71-56C5C024552B}"/>
+              </a:ext>
+            </a:extLst>
+          </p:cNvPr>
+          <p:cNvSpPr>
+            <a:spLocks noGrp="1"/>
+          </p:cNvSpPr>
+          <p:nvPr>
+            <p:ph idx="1"/>
+          </p:nvPr>
+        </p:nvSpPr>
+        <p:spPr/>
+        <p:txBody>
+          <a:bodyPr/>
+          <a:lstStyle/>
+          <a:p>
+            <a:pPr lvl="0"/>
+            <a:r>
+              <a:rPr/>
+              <a:t>no IV1 main effect, no IV2 main effect, no interaction</a:t>
+            </a:r>
+          </a:p>
+          <a:p>
+            <a:pPr lvl="0"/>
+            <a:r>
+              <a:rPr/>
+              <a:t>IV1 main effect, no IV2 main effect, no interaction</a:t>
+            </a:r>
+          </a:p>
+          <a:p>
+            <a:pPr lvl="0"/>
+            <a:r>
+              <a:rPr/>
+              <a:t>IV1 main effect, no IV2 main effect, interaction</a:t>
+            </a:r>
+          </a:p>
+          <a:p>
+            <a:pPr lvl="0"/>
+            <a:r>
+              <a:rPr/>
+              <a:t>IV1 main effect, IV2 main effect, no interaction</a:t>
+            </a:r>
+          </a:p>
+          <a:p>
+            <a:pPr lvl="0"/>
+            <a:r>
+              <a:rPr/>
+              <a:t>IV1 main effect, IV2 main effect, interaction</a:t>
+            </a:r>
+          </a:p>
+          <a:p>
+            <a:pPr lvl="0"/>
+            <a:r>
+              <a:rPr/>
+              <a:t>no IV1 main effect, IV2 main effect, no interaction</a:t>
+            </a:r>
+          </a:p>
+          <a:p>
+            <a:pPr lvl="0"/>
+            <a:r>
+              <a:rPr/>
+              <a:t>no IV1 main effect, IV2 main effect, interaction</a:t>
+            </a:r>
+          </a:p>
+          <a:p>
+            <a:pPr lvl="0"/>
+            <a:r>
+              <a:rPr/>
+              <a:t>no IV1 main effect, no IV2 main effect, interaction</a:t>
+            </a:r>
+          </a:p>
+        </p:txBody>
+      </p:sp>
+    </p:spTree>
+  </p:cSld>
+</p:sld>
+</file>
+
+<file path=ppt/slides/slide3.xml><?xml version="1.0" encoding="utf-8"?>
+<p:sld xmlns:a="http://schemas.openxmlformats.org/drawingml/2006/main" xmlns:r="http://schemas.openxmlformats.org/officeDocument/2006/relationships" xmlns:p="http://schemas.openxmlformats.org/presentationml/2006/main">
+  <p:cSld>
+    <p:spTree>
+      <p:nvGrpSpPr>
+        <p:cNvPr id="1" name=""/>
+        <p:cNvGrpSpPr/>
+        <p:nvPr/>
+      </p:nvGrpSpPr>
+      <p:grpSpPr>
+        <a:xfrm>
+          <a:off x="0" y="0"/>
+          <a:ext cx="0" cy="0"/>
+          <a:chOff x="0" y="0"/>
+          <a:chExt cx="0" cy="0"/>
+        </a:xfrm>
+      </p:grpSpPr>
+      <p:sp>
+        <p:nvSpPr>
+          <p:cNvPr id="2" name="Title 1">
+            <a:extLst>
+              <a:ext uri="{FF2B5EF4-FFF2-40B4-BE49-F238E27FC236}">
+                <a16:creationId xmlns:a16="http://schemas.microsoft.com/office/drawing/2014/main" id="{DD9B8E45-0772-954C-8D4B-6E6808DFEDED}"/>
+              </a:ext>
+            </a:extLst>
+          </p:cNvPr>
+          <p:cNvSpPr>
+            <a:spLocks noGrp="1"/>
+          </p:cNvSpPr>
+          <p:nvPr>
+            <p:ph type="title"/>
+          </p:nvPr>
+        </p:nvSpPr>
+        <p:spPr>
+          <a:xfrm>
+            <a:off x="838200" y="365129"/>
+            <a:ext cx="10002520" cy="1325563"/>
+          </a:xfrm>
+          <a:prstGeom prst="rect">
+            <a:avLst/>
+          </a:prstGeom>
+        </p:spPr>
+        <p:txBody>
+          <a:bodyPr/>
+          <a:lstStyle/>
+          <a:p>
+            <a:pPr lvl="0" indent="0" marL="0">
+              <a:buNone/>
+            </a:pPr>
+            <a:r>
+              <a:rPr/>
+              <a:t>Personal Tutor Meeting Week 4</a:t>
+            </a:r>
+          </a:p>
+        </p:txBody>
+      </p:sp>
+      <p:sp>
+        <p:nvSpPr>
+          <p:cNvPr id="3" name="Content Placeholder 2">
+            <a:extLst>
+              <a:ext uri="{FF2B5EF4-FFF2-40B4-BE49-F238E27FC236}">
+                <a16:creationId xmlns:a16="http://schemas.microsoft.com/office/drawing/2014/main" id="{A4EB24F9-04F1-C843-9D71-56C5C024552B}"/>
+              </a:ext>
+            </a:extLst>
+          </p:cNvPr>
+          <p:cNvSpPr>
+            <a:spLocks noGrp="1"/>
+          </p:cNvSpPr>
+          <p:nvPr>
+            <p:ph idx="1"/>
+          </p:nvPr>
+        </p:nvSpPr>
+        <p:spPr/>
+        <p:txBody>
+          <a:bodyPr/>
+          <a:lstStyle/>
+          <a:p>
+            <a:pPr lvl="0" indent="0" marL="0">
+              <a:buNone/>
+            </a:pPr>
+            <a:r>
+              <a:rPr/>
+              <a:t>This week (week 4) your PT session is all about well-being</a:t>
+            </a:r>
+          </a:p>
+          <a:p>
+            <a:pPr lvl="0" indent="0" marL="1270000">
+              <a:buNone/>
+            </a:pPr>
+            <a:r>
+              <a:rPr sz="2000" b="1"/>
+              <a:t>Tip</a:t>
+            </a:r>
+          </a:p>
+          <a:p>
+            <a:pPr lvl="0" indent="0" marL="1270000">
+              <a:buNone/>
+            </a:pPr>
+            <a:r>
+              <a:rPr sz="2000"/>
+              <a:t>Please familiarise yourself with well-being services available in college</a:t>
+            </a:r>
+          </a:p>
+          <a:p>
+            <a:pPr lvl="0" indent="0" marL="1270000">
+              <a:buNone/>
+            </a:pPr>
+            <a:r>
+              <a:rPr sz="2000">
+                <a:hlinkClick r:id="rId2"/>
+              </a:rPr>
+              <a:t>https://www.gold.ac.uk/students/wellbeing/wellbeing-service/</a:t>
+            </a:r>
+          </a:p>
+        </p:txBody>
+      </p:sp>
+    </p:spTree>
+  </p:cSld>
+</p:sld>
+</file>
+
+<file path=ppt/slides/slide30.xml><?xml version="1.0" encoding="utf-8"?>
+<p:sld xmlns:a="http://schemas.openxmlformats.org/drawingml/2006/main" xmlns:r="http://schemas.openxmlformats.org/officeDocument/2006/relationships" xmlns:p="http://schemas.openxmlformats.org/presentationml/2006/main">
+  <p:cSld>
+    <p:spTree>
+      <p:nvGrpSpPr>
+        <p:cNvPr id="1" name=""/>
+        <p:cNvGrpSpPr/>
+        <p:nvPr/>
+      </p:nvGrpSpPr>
+      <p:grpSpPr>
+        <a:xfrm>
+          <a:off x="0" y="0"/>
+          <a:ext cx="0" cy="0"/>
+          <a:chOff x="0" y="0"/>
+          <a:chExt cx="0" cy="0"/>
+        </a:xfrm>
+      </p:grpSpPr>
+      <p:sp>
+        <p:nvSpPr>
+          <p:cNvPr id="2" name="Title 1">
+            <a:extLst>
+              <a:ext uri="{FF2B5EF4-FFF2-40B4-BE49-F238E27FC236}">
+                <a16:creationId xmlns:a16="http://schemas.microsoft.com/office/drawing/2014/main" id="{DD9B8E45-0772-954C-8D4B-6E6808DFEDED}"/>
+              </a:ext>
+            </a:extLst>
+          </p:cNvPr>
+          <p:cNvSpPr>
+            <a:spLocks noGrp="1"/>
+          </p:cNvSpPr>
+          <p:nvPr>
+            <p:ph type="title"/>
+          </p:nvPr>
+        </p:nvSpPr>
+        <p:spPr>
+          <a:xfrm>
+            <a:off x="838200" y="365129"/>
+            <a:ext cx="10002520" cy="1325563"/>
+          </a:xfrm>
+          <a:prstGeom prst="rect">
+            <a:avLst/>
+          </a:prstGeom>
+        </p:spPr>
+        <p:txBody>
+          <a:bodyPr/>
+          <a:lstStyle/>
+          <a:p>
+            <a:pPr lvl="0" indent="0" marL="0">
+              <a:buNone/>
+            </a:pPr>
+            <a:r>
+              <a:rPr/>
+              <a:t>graph key</a:t>
+            </a:r>
+          </a:p>
+        </p:txBody>
+      </p:sp>
+      <p:sp>
+        <p:nvSpPr>
+          <p:cNvPr id="3" name="Content Placeholder 2">
+            <a:extLst>
+              <a:ext uri="{FF2B5EF4-FFF2-40B4-BE49-F238E27FC236}">
+                <a16:creationId xmlns:a16="http://schemas.microsoft.com/office/drawing/2014/main" id="{A4EB24F9-04F1-C843-9D71-56C5C024552B}"/>
+              </a:ext>
+            </a:extLst>
+          </p:cNvPr>
+          <p:cNvSpPr>
+            <a:spLocks noGrp="1"/>
+          </p:cNvSpPr>
+          <p:nvPr>
+            <p:ph idx="1"/>
+          </p:nvPr>
+        </p:nvSpPr>
+        <p:spPr/>
+        <p:txBody>
+          <a:bodyPr/>
+          <a:lstStyle/>
+          <a:p>
+            <a:pPr lvl="0"/>
+            <a:r>
+              <a:rPr/>
+              <a:t>1 = there was a main effect for IV1.</a:t>
+            </a:r>
+          </a:p>
+          <a:p>
+            <a:pPr lvl="0"/>
+            <a:r>
+              <a:rPr/>
+              <a:t>~1 = there was </a:t>
+            </a:r>
+            <a:r>
+              <a:rPr b="1"/>
+              <a:t>not</a:t>
+            </a:r>
+            <a:r>
+              <a:rPr/>
+              <a:t> a main effect for IV1</a:t>
+            </a:r>
+          </a:p>
+          <a:p>
+            <a:pPr lvl="0"/>
+            <a:r>
+              <a:rPr/>
+              <a:t>2 = there was a main effect for IV2</a:t>
+            </a:r>
+          </a:p>
+          <a:p>
+            <a:pPr lvl="0"/>
+            <a:r>
+              <a:rPr/>
+              <a:t>~2 = there was </a:t>
+            </a:r>
+            <a:r>
+              <a:rPr b="1"/>
+              <a:t>not</a:t>
+            </a:r>
+            <a:r>
+              <a:rPr/>
+              <a:t> a main effect of IV2</a:t>
+            </a:r>
+          </a:p>
+          <a:p>
+            <a:pPr lvl="0"/>
+            <a:r>
+              <a:rPr/>
+              <a:t>1x2 = there was an interaction</a:t>
+            </a:r>
+          </a:p>
+          <a:p>
+            <a:pPr lvl="0"/>
+            <a:r>
+              <a:rPr/>
+              <a:t>~1x2 = there was </a:t>
+            </a:r>
+            <a:r>
+              <a:rPr b="1"/>
+              <a:t>not</a:t>
+            </a:r>
+            <a:r>
+              <a:rPr/>
+              <a:t> an interaction</a:t>
+            </a:r>
+          </a:p>
+        </p:txBody>
+      </p:sp>
+    </p:spTree>
+  </p:cSld>
+</p:sld>
+</file>
+
+<file path=ppt/slides/slide31.xml><?xml version="1.0" encoding="utf-8"?>
+<p:sld xmlns:a="http://schemas.openxmlformats.org/drawingml/2006/main" xmlns:r="http://schemas.openxmlformats.org/officeDocument/2006/relationships" xmlns:p="http://schemas.openxmlformats.org/presentationml/2006/main">
+  <p:cSld>
+    <p:spTree>
+      <p:nvGrpSpPr>
+        <p:cNvPr id="1" name=""/>
+        <p:cNvGrpSpPr/>
+        <p:nvPr/>
+      </p:nvGrpSpPr>
+      <p:grpSpPr>
+        <a:xfrm>
+          <a:off x="0" y="0"/>
+          <a:ext cx="0" cy="0"/>
+          <a:chOff x="0" y="0"/>
+          <a:chExt cx="0" cy="0"/>
+        </a:xfrm>
+      </p:grpSpPr>
+      <p:sp>
+        <p:nvSpPr>
+          <p:cNvPr id="2" name="Title 1">
+            <a:extLst>
+              <a:ext uri="{FF2B5EF4-FFF2-40B4-BE49-F238E27FC236}">
+                <a16:creationId xmlns:a16="http://schemas.microsoft.com/office/drawing/2014/main" id="{DD9B8E45-0772-954C-8D4B-6E6808DFEDED}"/>
+              </a:ext>
+            </a:extLst>
+          </p:cNvPr>
+          <p:cNvSpPr>
+            <a:spLocks noGrp="1"/>
+          </p:cNvSpPr>
+          <p:nvPr>
+            <p:ph type="title"/>
+          </p:nvPr>
+        </p:nvSpPr>
+        <p:spPr>
+          <a:xfrm>
+            <a:off x="838200" y="365129"/>
+            <a:ext cx="10002520" cy="1325563"/>
+          </a:xfrm>
+          <a:prstGeom prst="rect">
+            <a:avLst/>
+          </a:prstGeom>
+        </p:spPr>
+        <p:txBody>
+          <a:bodyPr/>
+          <a:lstStyle/>
+          <a:p>
+            <a:pPr lvl="0" indent="0" marL="0">
+              <a:buNone/>
+            </a:pPr>
+            <a:r>
+              <a:rPr/>
+              <a:t>Bar charts</a:t>
             </a:r>
           </a:p>
         </p:txBody>
@@ -6360,7 +7672,7 @@
 </p:sld>
 </file>
 
-<file path=ppt/slides/slide21.xml><?xml version="1.0" encoding="utf-8"?>
+<file path=ppt/slides/slide32.xml><?xml version="1.0" encoding="utf-8"?>
 <p:sld xmlns:a="http://schemas.openxmlformats.org/drawingml/2006/main" xmlns:r="http://schemas.openxmlformats.org/officeDocument/2006/relationships" xmlns:p="http://schemas.openxmlformats.org/presentationml/2006/main">
   <p:cSld>
     <p:spTree>
@@ -6411,7 +7723,7 @@
             </a:pPr>
             <a:r>
               <a:rPr/>
-              <a:t>graphs 2</a:t>
+              <a:t>Line plots</a:t>
             </a:r>
           </a:p>
         </p:txBody>
@@ -6451,7 +7763,7 @@
 </p:sld>
 </file>
 
-<file path=ppt/slides/slide22.xml><?xml version="1.0" encoding="utf-8"?>
+<file path=ppt/slides/slide33.xml><?xml version="1.0" encoding="utf-8"?>
 <p:sld xmlns:a="http://schemas.openxmlformats.org/drawingml/2006/main" xmlns:r="http://schemas.openxmlformats.org/officeDocument/2006/relationships" xmlns:p="http://schemas.openxmlformats.org/presentationml/2006/main">
   <p:cSld>
     <p:spTree>
@@ -6470,166 +7782,6 @@
       </p:grpSpPr>
       <p:sp>
         <p:nvSpPr>
-          <p:cNvPr id="3" name="Content Placeholder 2">
-            <a:extLst>
-              <a:ext uri="{FF2B5EF4-FFF2-40B4-BE49-F238E27FC236}">
-                <a16:creationId xmlns:a16="http://schemas.microsoft.com/office/drawing/2014/main" id="{A4EB24F9-04F1-C843-9D71-56C5C024552B}"/>
-              </a:ext>
-            </a:extLst>
-          </p:cNvPr>
-          <p:cNvSpPr>
-            <a:spLocks noGrp="1"/>
-          </p:cNvSpPr>
-          <p:nvPr>
-            <p:ph idx="1"/>
-          </p:nvPr>
-        </p:nvSpPr>
-        <p:spPr/>
-        <p:txBody>
-          <a:bodyPr/>
-          <a:lstStyle/>
-          <a:p>
-            <a:pPr lvl="0" indent="0" marL="0">
-              <a:buNone/>
-            </a:pPr>
-            <a:r>
-              <a:rPr/>
-              <a:t>Altenmüller, M. S., Lange, L. L., &amp; Gollwitzer, M. (2021). When research is me-search: How researchers’ motivation to pursue a topic affects laypeople’s trust in science. </a:t>
-            </a:r>
-            <a:r>
-              <a:rPr i="1"/>
-              <a:t>PLoS ONE</a:t>
-            </a:r>
-            <a:r>
-              <a:rPr/>
-              <a:t>, </a:t>
-            </a:r>
-            <a:r>
-              <a:rPr i="1"/>
-              <a:t>16</a:t>
-            </a:r>
-            <a:r>
-              <a:rPr/>
-              <a:t>(7), e0253911. </a:t>
-            </a:r>
-            <a:r>
-              <a:rPr>
-                <a:hlinkClick r:id="rId2"/>
-              </a:rPr>
-              <a:t>https://doi.org/10.1371/journal.pone.0253911</a:t>
-            </a:r>
-          </a:p>
-          <a:p>
-            <a:pPr lvl="0" indent="0" marL="0">
-              <a:buNone/>
-            </a:pPr>
-            <a:r>
-              <a:rPr/>
-              <a:t>Conry-Murray, C., &amp; Silverstein, P. (n.d.). </a:t>
-            </a:r>
-            <a:r>
-              <a:rPr i="1"/>
-              <a:t>The role of values in psychological science: Examining identity-based inclusivity</a:t>
-            </a:r>
-            <a:r>
-              <a:rPr/>
-              <a:t>. </a:t>
-            </a:r>
-            <a:r>
-              <a:rPr>
-                <a:hlinkClick r:id="rId3"/>
-              </a:rPr>
-              <a:t>https://doi.org/10.31234/osf.io/cskg2</a:t>
-            </a:r>
-          </a:p>
-          <a:p>
-            <a:pPr lvl="0" indent="0" marL="0">
-              <a:buNone/>
-            </a:pPr>
-            <a:r>
-              <a:rPr/>
-              <a:t>Ledgerwood, A., Hudson, S. T. J., Lewis, N. A., Maddox, K. B., Pickett, C. L., Remedios, J. D., Cheryan, S., Diekman, A. B., Dutra, N. B., Goh, J. X., &amp; al., et. (2022). The pandemic as a portal: Reimagining psychological science as truly open and inclusive. </a:t>
-            </a:r>
-            <a:r>
-              <a:rPr i="1"/>
-              <a:t>Perspectives on Psychological Science</a:t>
-            </a:r>
-            <a:r>
-              <a:rPr/>
-              <a:t>, </a:t>
-            </a:r>
-            <a:r>
-              <a:rPr i="1"/>
-              <a:t>17</a:t>
-            </a:r>
-            <a:r>
-              <a:rPr/>
-              <a:t>(4), 937–959. </a:t>
-            </a:r>
-            <a:r>
-              <a:rPr>
-                <a:hlinkClick r:id="rId4"/>
-              </a:rPr>
-              <a:t>https://doi.org/10.1177/17456916211036654</a:t>
-            </a:r>
-          </a:p>
-          <a:p>
-            <a:pPr lvl="0" indent="0" marL="0">
-              <a:buNone/>
-            </a:pPr>
-            <a:r>
-              <a:rPr/>
-              <a:t>Morawski, J. G. (2005). Reflexivity and the psychologist. </a:t>
-            </a:r>
-            <a:r>
-              <a:rPr i="1"/>
-              <a:t>History of the Human Sciences</a:t>
-            </a:r>
-            <a:r>
-              <a:rPr/>
-              <a:t>, </a:t>
-            </a:r>
-            <a:r>
-              <a:rPr i="1"/>
-              <a:t>18</a:t>
-            </a:r>
-            <a:r>
-              <a:rPr/>
-              <a:t>(4), 77–105. </a:t>
-            </a:r>
-            <a:r>
-              <a:rPr>
-                <a:hlinkClick r:id="rId5"/>
-              </a:rPr>
-              <a:t>https://doi.org/10.1177/0952695105058472</a:t>
-            </a:r>
-          </a:p>
-        </p:txBody>
-      </p:sp>
-    </p:spTree>
-  </p:cSld>
-</p:sld>
-</file>
-
-<file path=ppt/slides/slide3.xml><?xml version="1.0" encoding="utf-8"?>
-<p:sld xmlns:a="http://schemas.openxmlformats.org/drawingml/2006/main" xmlns:r="http://schemas.openxmlformats.org/officeDocument/2006/relationships" xmlns:p="http://schemas.openxmlformats.org/presentationml/2006/main">
-  <p:cSld>
-    <p:spTree>
-      <p:nvGrpSpPr>
-        <p:cNvPr id="1" name=""/>
-        <p:cNvGrpSpPr/>
-        <p:nvPr/>
-      </p:nvGrpSpPr>
-      <p:grpSpPr>
-        <a:xfrm>
-          <a:off x="0" y="0"/>
-          <a:ext cx="0" cy="0"/>
-          <a:chOff x="0" y="0"/>
-          <a:chExt cx="0" cy="0"/>
-        </a:xfrm>
-      </p:grpSpPr>
-      <p:sp>
-        <p:nvSpPr>
           <p:cNvPr id="2" name="Title 1">
             <a:extLst>
               <a:ext uri="{FF2B5EF4-FFF2-40B4-BE49-F238E27FC236}">
@@ -6662,7 +7814,7 @@
             </a:pPr>
             <a:r>
               <a:rPr/>
-              <a:t>Personal Tutor Meeting Week 4</a:t>
+              <a:t>References</a:t>
             </a:r>
           </a:p>
         </p:txBody>
@@ -6693,36 +7845,114 @@
             </a:pPr>
             <a:r>
               <a:rPr/>
-              <a:t>This week (week 4) your PT session is all about well-being</a:t>
-            </a:r>
-          </a:p>
-          <a:p>
-            <a:pPr lvl="0" indent="0" marL="1270000">
-              <a:buNone/>
-            </a:pPr>
-            <a:r>
-              <a:rPr sz="2000" b="1"/>
-              <a:t>Tip</a:t>
-            </a:r>
-          </a:p>
-          <a:p>
-            <a:pPr lvl="0" indent="0" marL="1270000">
-              <a:buNone/>
-            </a:pPr>
-            <a:r>
-              <a:rPr sz="2000"/>
-              <a:t>Please familiarise yourself with well-being services available in college</a:t>
-            </a:r>
-          </a:p>
-          <a:p>
-            <a:pPr lvl="0" indent="0" marL="1270000">
-              <a:buNone/>
-            </a:pPr>
-            <a:r>
-              <a:rPr sz="2000">
+              <a:t>Altenmüller, M. S., Lange, L. L., &amp; Gollwitzer, M. (2021). When research is me-search: How researchers’ motivation to pursue a topic affects laypeople’s trust in science. </a:t>
+            </a:r>
+            <a:r>
+              <a:rPr i="1"/>
+              <a:t>PLoS ONE</a:t>
+            </a:r>
+            <a:r>
+              <a:rPr/>
+              <a:t>, </a:t>
+            </a:r>
+            <a:r>
+              <a:rPr i="1"/>
+              <a:t>16</a:t>
+            </a:r>
+            <a:r>
+              <a:rPr/>
+              <a:t>(7), e0253911. </a:t>
+            </a:r>
+            <a:r>
+              <a:rPr>
                 <a:hlinkClick r:id="rId2"/>
               </a:rPr>
-              <a:t>https://www.gold.ac.uk/students/wellbeing/wellbeing-service/</a:t>
+              <a:t>https://doi.org/10.1371/journal.pone.0253911</a:t>
+            </a:r>
+          </a:p>
+          <a:p>
+            <a:pPr lvl="0" indent="0" marL="0">
+              <a:buNone/>
+            </a:pPr>
+            <a:r>
+              <a:rPr/>
+              <a:t>Conry-Murray, C., &amp; Silverstein, P. (n.d.). </a:t>
+            </a:r>
+            <a:r>
+              <a:rPr i="1"/>
+              <a:t>The role of values in psychological science: Examining identity-based inclusivity</a:t>
+            </a:r>
+            <a:r>
+              <a:rPr/>
+              <a:t>. </a:t>
+            </a:r>
+            <a:r>
+              <a:rPr>
+                <a:hlinkClick r:id="rId3"/>
+              </a:rPr>
+              <a:t>https://doi.org/10.31234/osf.io/cskg2</a:t>
+            </a:r>
+          </a:p>
+          <a:p>
+            <a:pPr lvl="0" indent="0" marL="0">
+              <a:buNone/>
+            </a:pPr>
+            <a:r>
+              <a:rPr/>
+              <a:t>Ledgerwood, A., Hudson, S. T. J., Lewis, N. A., Maddox, K. B., Pickett, C. L., Remedios, J. D., Cheryan, S., Diekman, A. B., Dutra, N. B., Goh, J. X., &amp; al., et. (2022). The pandemic as a portal: Reimagining psychological science as truly open and inclusive. </a:t>
+            </a:r>
+            <a:r>
+              <a:rPr i="1"/>
+              <a:t>Perspectives on Psychological Science</a:t>
+            </a:r>
+            <a:r>
+              <a:rPr/>
+              <a:t>, </a:t>
+            </a:r>
+            <a:r>
+              <a:rPr i="1"/>
+              <a:t>17</a:t>
+            </a:r>
+            <a:r>
+              <a:rPr/>
+              <a:t>(4), 937–959. </a:t>
+            </a:r>
+            <a:r>
+              <a:rPr>
+                <a:hlinkClick r:id="rId4"/>
+              </a:rPr>
+              <a:t>https://doi.org/10.1177/17456916211036654</a:t>
+            </a:r>
+          </a:p>
+          <a:p>
+            <a:pPr lvl="0" indent="0" marL="0">
+              <a:buNone/>
+            </a:pPr>
+            <a:r>
+              <a:rPr/>
+              <a:t>Morawski, J. G. (2005). Reflexivity and the psychologist. </a:t>
+            </a:r>
+            <a:r>
+              <a:rPr i="1"/>
+              <a:t>History of the Human Sciences</a:t>
+            </a:r>
+            <a:r>
+              <a:rPr/>
+              <a:t>, </a:t>
+            </a:r>
+            <a:r>
+              <a:rPr i="1"/>
+              <a:t>18</a:t>
+            </a:r>
+            <a:r>
+              <a:rPr/>
+              <a:t>(4), 77–105. </a:t>
+            </a:r>
+            <a:r>
+              <a:rPr>
+                <a:hlinkClick r:id="rId5"/>
+              </a:rPr>
+              <a:t>https://doi.org/10.1177/0952695105058472</a:t>
             </a:r>
           </a:p>
         </p:txBody>
@@ -6754,7 +7984,7 @@
           <p:cNvPr id="2" name="Title 1">
             <a:extLst>
               <a:ext uri="{FF2B5EF4-FFF2-40B4-BE49-F238E27FC236}">
-                <a16:creationId xmlns:a16="http://schemas.microsoft.com/office/drawing/2014/main" id="{FF6A6CB2-D1B6-B94A-84C1-83C65423C650}"/>
+                <a16:creationId xmlns:a16="http://schemas.microsoft.com/office/drawing/2014/main" id="{DD9B8E45-0772-954C-8D4B-6E6808DFEDED}"/>
               </a:ext>
             </a:extLst>
           </p:cNvPr>
@@ -6767,8 +7997,8 @@
         </p:nvSpPr>
         <p:spPr>
           <a:xfrm>
-            <a:off x="831851" y="1709742"/>
-            <a:ext cx="10515600" cy="2852737"/>
+            <a:off x="838200" y="365129"/>
+            <a:ext cx="10002520" cy="1325563"/>
           </a:xfrm>
           <a:prstGeom prst="rect">
             <a:avLst/>
@@ -6783,7 +8013,65 @@
             </a:pPr>
             <a:r>
               <a:rPr/>
-              <a:t>Any Questions?</a:t>
+              <a:t>Departmental Seminar (week 5)</a:t>
+            </a:r>
+          </a:p>
+        </p:txBody>
+      </p:sp>
+      <p:sp>
+        <p:nvSpPr>
+          <p:cNvPr id="3" name="Content Placeholder 2">
+            <a:extLst>
+              <a:ext uri="{FF2B5EF4-FFF2-40B4-BE49-F238E27FC236}">
+                <a16:creationId xmlns:a16="http://schemas.microsoft.com/office/drawing/2014/main" id="{A4EB24F9-04F1-C843-9D71-56C5C024552B}"/>
+              </a:ext>
+            </a:extLst>
+          </p:cNvPr>
+          <p:cNvSpPr>
+            <a:spLocks noGrp="1"/>
+          </p:cNvSpPr>
+          <p:nvPr>
+            <p:ph idx="1"/>
+          </p:nvPr>
+        </p:nvSpPr>
+        <p:spPr/>
+        <p:txBody>
+          <a:bodyPr/>
+          <a:lstStyle/>
+          <a:p>
+            <a:pPr lvl="0" indent="0" marL="1270000">
+              <a:buNone/>
+            </a:pPr>
+            <a:r>
+              <a:rPr sz="2000" b="1"/>
+              <a:t>Dr Valentina Cazzato Liverpool JMU</a:t>
+            </a:r>
+          </a:p>
+          <a:p>
+            <a:pPr lvl="0" indent="0" marL="1270000">
+              <a:buNone/>
+            </a:pPr>
+            <a:r>
+              <a:rPr sz="2000"/>
+              <a:t>Behavioural and Neural Signatures of Visual Body (mis)perception</a:t>
+            </a:r>
+          </a:p>
+          <a:p>
+            <a:pPr lvl="0" indent="0" marL="1270000">
+              <a:buNone/>
+            </a:pPr>
+            <a:r>
+              <a:rPr sz="2000"/>
+              <a:t>Thursday, 3 November 2022 at 16:00 – 17:00 - RHB 300a</a:t>
+            </a:r>
+          </a:p>
+          <a:p>
+            <a:pPr lvl="0" indent="0" marL="1270000">
+              <a:buNone/>
+            </a:pPr>
+            <a:r>
+              <a:rPr sz="2000"/>
+              <a:t>Visual representation of the body is a key aspect of self-body image. Its importance in our social life is proved by the unreasonable time and effort we put on taking care of our physical appearance, including use of plastic surgery, as well as by the severe mental disorders linked to its disturbance, such as Eating Disorders.</a:t>
             </a:r>
           </a:p>
         </p:txBody>
@@ -6815,7 +8103,7 @@
           <p:cNvPr id="2" name="Title 1">
             <a:extLst>
               <a:ext uri="{FF2B5EF4-FFF2-40B4-BE49-F238E27FC236}">
-                <a16:creationId xmlns:a16="http://schemas.microsoft.com/office/drawing/2014/main" id="{DD9B8E45-0772-954C-8D4B-6E6808DFEDED}"/>
+                <a16:creationId xmlns:a16="http://schemas.microsoft.com/office/drawing/2014/main" id="{FF6A6CB2-D1B6-B94A-84C1-83C65423C650}"/>
               </a:ext>
             </a:extLst>
           </p:cNvPr>
@@ -6828,8 +8116,8 @@
         </p:nvSpPr>
         <p:spPr>
           <a:xfrm>
-            <a:off x="838200" y="365129"/>
-            <a:ext cx="10002520" cy="1325563"/>
+            <a:off x="831851" y="1709742"/>
+            <a:ext cx="10515600" cy="2852737"/>
           </a:xfrm>
           <a:prstGeom prst="rect">
             <a:avLst/>
@@ -6844,41 +8132,11 @@
             </a:pPr>
             <a:r>
               <a:rPr/>
-              <a:t>A crisis</a:t>
-            </a:r>
-          </a:p>
-        </p:txBody>
-      </p:sp>
-      <p:pic>
-        <p:nvPicPr>
-          <p:cNvPr descr="images/paste-20A00E59.png" id="0" name="Picture 1"/>
-          <p:cNvPicPr>
-            <a:picLocks noGrp="1" noChangeAspect="1"/>
-          </p:cNvPicPr>
-          <p:nvPr/>
-        </p:nvPicPr>
-        <p:blipFill>
-          <a:blip r:embed="rId2"/>
-          <a:stretch>
-            <a:fillRect/>
-          </a:stretch>
-        </p:blipFill>
-        <p:spPr bwMode="auto">
-          <a:xfrm>
-            <a:off x="838200" y="2578100"/>
-            <a:ext cx="10515600" cy="2806700"/>
-          </a:xfrm>
-          <a:prstGeom prst="rect">
-            <a:avLst/>
-          </a:prstGeom>
-          <a:noFill/>
-          <a:ln w="9525">
-            <a:noFill/>
-            <a:headEnd/>
-            <a:tailEnd/>
-          </a:ln>
-        </p:spPr>
-      </p:pic>
+              <a:t>Any Questions?</a:t>
+            </a:r>
+          </a:p>
+        </p:txBody>
+      </p:sp>
     </p:spTree>
   </p:cSld>
 </p:sld>
@@ -6935,42 +8193,41 @@
             </a:pPr>
             <a:r>
               <a:rPr/>
-              <a:t>Later lectures</a:t>
-            </a:r>
-          </a:p>
-        </p:txBody>
-      </p:sp>
-      <p:sp>
-        <p:nvSpPr>
-          <p:cNvPr id="3" name="Content Placeholder 2">
-            <a:extLst>
-              <a:ext uri="{FF2B5EF4-FFF2-40B4-BE49-F238E27FC236}">
-                <a16:creationId xmlns:a16="http://schemas.microsoft.com/office/drawing/2014/main" id="{A4EB24F9-04F1-C843-9D71-56C5C024552B}"/>
-              </a:ext>
-            </a:extLst>
-          </p:cNvPr>
-          <p:cNvSpPr>
-            <a:spLocks noGrp="1"/>
-          </p:cNvSpPr>
-          <p:nvPr>
-            <p:ph idx="1"/>
-          </p:nvPr>
-        </p:nvSpPr>
-        <p:spPr/>
-        <p:txBody>
-          <a:bodyPr/>
-          <a:lstStyle/>
-          <a:p>
-            <a:pPr lvl="0" indent="0" marL="0">
-              <a:buNone/>
-            </a:pPr>
-            <a:r>
-              <a:rPr/>
-              <a:t>The Reproducibility Crisis and the response - Open Science</a:t>
-            </a:r>
-          </a:p>
-        </p:txBody>
-      </p:sp>
+              <a:t>In the first lecture I mentioned…</a:t>
+            </a:r>
+          </a:p>
+        </p:txBody>
+      </p:sp>
+      <p:pic>
+        <p:nvPicPr>
+          <p:cNvPr descr="images/cooltext421879728700980.png" id="0" name="Picture 1"/>
+          <p:cNvPicPr>
+            <a:picLocks noGrp="1" noChangeAspect="1"/>
+          </p:cNvPicPr>
+          <p:nvPr/>
+        </p:nvPicPr>
+        <p:blipFill>
+          <a:blip r:embed="rId2"/>
+          <a:stretch>
+            <a:fillRect/>
+          </a:stretch>
+        </p:blipFill>
+        <p:spPr bwMode="auto">
+          <a:xfrm>
+            <a:off x="838200" y="2832100"/>
+            <a:ext cx="10515600" cy="2311400"/>
+          </a:xfrm>
+          <a:prstGeom prst="rect">
+            <a:avLst/>
+          </a:prstGeom>
+          <a:noFill/>
+          <a:ln w="9525">
+            <a:noFill/>
+            <a:headEnd/>
+            <a:tailEnd/>
+          </a:ln>
+        </p:spPr>
+      </p:pic>
     </p:spTree>
   </p:cSld>
 </p:sld>
@@ -7027,41 +8284,69 @@
             </a:pPr>
             <a:r>
               <a:rPr/>
-              <a:t>Research &amp; me-search</a:t>
-            </a:r>
-          </a:p>
-        </p:txBody>
-      </p:sp>
-      <p:pic>
-        <p:nvPicPr>
-          <p:cNvPr descr="images/paste-099457BD.png" id="0" name="Picture 1"/>
-          <p:cNvPicPr>
-            <a:picLocks noGrp="1" noChangeAspect="1"/>
-          </p:cNvPicPr>
-          <p:nvPr/>
-        </p:nvPicPr>
-        <p:blipFill>
-          <a:blip r:embed="rId2"/>
-          <a:stretch>
-            <a:fillRect/>
-          </a:stretch>
-        </p:blipFill>
-        <p:spPr bwMode="auto">
-          <a:xfrm>
-            <a:off x="838200" y="1943100"/>
-            <a:ext cx="10515600" cy="4089400"/>
-          </a:xfrm>
-          <a:prstGeom prst="rect">
-            <a:avLst/>
-          </a:prstGeom>
-          <a:noFill/>
-          <a:ln w="9525">
-            <a:noFill/>
-            <a:headEnd/>
-            <a:tailEnd/>
-          </a:ln>
-        </p:spPr>
-      </p:pic>
+              <a:t>But what did I mean?</a:t>
+            </a:r>
+          </a:p>
+        </p:txBody>
+      </p:sp>
+      <p:sp>
+        <p:nvSpPr>
+          <p:cNvPr id="3" name="Content Placeholder 2">
+            <a:extLst>
+              <a:ext uri="{FF2B5EF4-FFF2-40B4-BE49-F238E27FC236}">
+                <a16:creationId xmlns:a16="http://schemas.microsoft.com/office/drawing/2014/main" id="{A4EB24F9-04F1-C843-9D71-56C5C024552B}"/>
+              </a:ext>
+            </a:extLst>
+          </p:cNvPr>
+          <p:cNvSpPr>
+            <a:spLocks noGrp="1"/>
+          </p:cNvSpPr>
+          <p:nvPr>
+            <p:ph idx="1"/>
+          </p:nvPr>
+        </p:nvSpPr>
+        <p:spPr/>
+        <p:txBody>
+          <a:bodyPr/>
+          <a:lstStyle/>
+          <a:p>
+            <a:pPr lvl="0" indent="0" marL="0">
+              <a:buNone/>
+            </a:pPr>
+            <a:r>
+              <a:rPr/>
+              <a:t>Your individual ‘take’ on Psychology?</a:t>
+            </a:r>
+          </a:p>
+          <a:p>
+            <a:pPr lvl="0" indent="0" marL="0">
+              <a:buNone/>
+            </a:pPr>
+            <a:r>
+              <a:rPr/>
+              <a:t>The Psychology you need or want for the future?</a:t>
+            </a:r>
+          </a:p>
+          <a:p>
+            <a:pPr lvl="0" indent="0" marL="0">
+              <a:buNone/>
+            </a:pPr>
+            <a:r>
+              <a:rPr/>
+              <a:t>A career path with hundreds of different routes?</a:t>
+            </a:r>
+          </a:p>
+          <a:p>
+            <a:pPr lvl="0" indent="0" marL="0">
+              <a:buNone/>
+            </a:pPr>
+            <a:r>
+              <a:rPr/>
+              <a:t>or is it more personal than that?</a:t>
+            </a:r>
+          </a:p>
+        </p:txBody>
+      </p:sp>
     </p:spTree>
   </p:cSld>
 </p:sld>
@@ -7086,6 +8371,45 @@
       </p:grpSpPr>
       <p:sp>
         <p:nvSpPr>
+          <p:cNvPr id="2" name="Title 1">
+            <a:extLst>
+              <a:ext uri="{FF2B5EF4-FFF2-40B4-BE49-F238E27FC236}">
+                <a16:creationId xmlns:a16="http://schemas.microsoft.com/office/drawing/2014/main" id="{DD9B8E45-0772-954C-8D4B-6E6808DFEDED}"/>
+              </a:ext>
+            </a:extLst>
+          </p:cNvPr>
+          <p:cNvSpPr>
+            <a:spLocks noGrp="1"/>
+          </p:cNvSpPr>
+          <p:nvPr>
+            <p:ph type="title"/>
+          </p:nvPr>
+        </p:nvSpPr>
+        <p:spPr>
+          <a:xfrm>
+            <a:off x="838200" y="365129"/>
+            <a:ext cx="10002520" cy="1325563"/>
+          </a:xfrm>
+          <a:prstGeom prst="rect">
+            <a:avLst/>
+          </a:prstGeom>
+        </p:spPr>
+        <p:txBody>
+          <a:bodyPr/>
+          <a:lstStyle/>
+          <a:p>
+            <a:pPr lvl="0" indent="0" marL="0">
+              <a:buNone/>
+            </a:pPr>
+            <a:r>
+              <a:rPr/>
+              <a:t>Do you need a ‘passion’ in Psychology?</a:t>
+            </a:r>
+          </a:p>
+        </p:txBody>
+      </p:sp>
+      <p:sp>
+        <p:nvSpPr>
           <p:cNvPr id="3" name="Content Placeholder 2">
             <a:extLst>
               <a:ext uri="{FF2B5EF4-FFF2-40B4-BE49-F238E27FC236}">
@@ -7110,7 +8434,34 @@
             </a:pPr>
             <a:r>
               <a:rPr/>
-              <a:t>(Altenmüller et al., 2021)</a:t>
+              <a:t>We (staff) talk about this sometimes.</a:t>
+            </a:r>
+          </a:p>
+          <a:p>
+            <a:pPr lvl="0" indent="0" marL="0">
+              <a:buNone/>
+            </a:pPr>
+            <a:r>
+              <a:rPr/>
+              <a:t>Is it critical that you find a topic of interest to you?</a:t>
+            </a:r>
+          </a:p>
+          <a:p>
+            <a:pPr lvl="0" indent="0" marL="0">
+              <a:buNone/>
+            </a:pPr>
+            <a:r>
+              <a:rPr/>
+              <a:t>Does it help? Does it hinder?</a:t>
+            </a:r>
+          </a:p>
+          <a:p>
+            <a:pPr lvl="0" indent="0" marL="0">
+              <a:buNone/>
+            </a:pPr>
+            <a:r>
+              <a:rPr/>
+              <a:t>Is it possible to be a Psychologist without a personal stake?</a:t>
             </a:r>
           </a:p>
         </p:txBody>
@@ -7171,51 +8522,41 @@
             </a:pPr>
             <a:r>
               <a:rPr/>
-              <a:t>another</a:t>
-            </a:r>
-          </a:p>
-        </p:txBody>
-      </p:sp>
-      <p:sp>
-        <p:nvSpPr>
-          <p:cNvPr id="3" name="Content Placeholder 2">
-            <a:extLst>
-              <a:ext uri="{FF2B5EF4-FFF2-40B4-BE49-F238E27FC236}">
-                <a16:creationId xmlns:a16="http://schemas.microsoft.com/office/drawing/2014/main" id="{A4EB24F9-04F1-C843-9D71-56C5C024552B}"/>
-              </a:ext>
-            </a:extLst>
-          </p:cNvPr>
-          <p:cNvSpPr>
-            <a:spLocks noGrp="1"/>
-          </p:cNvSpPr>
-          <p:nvPr>
-            <p:ph idx="1"/>
-          </p:nvPr>
-        </p:nvSpPr>
-        <p:spPr/>
-        <p:txBody>
-          <a:bodyPr/>
-          <a:lstStyle/>
-          <a:p>
-            <a:pPr lvl="0" indent="0" marL="0">
-              <a:buNone/>
-            </a:pPr>
-            <a:r>
-              <a:rPr/>
-              <a:t>Reflexivity and the psychologist</a:t>
-            </a:r>
-          </a:p>
-          <a:p>
-            <a:pPr lvl="0" indent="0" marL="0">
-              <a:buNone/>
-            </a:pPr>
-            <a:r>
-              <a:rPr/>
-              <a:t>(Morawski, 2005)</a:t>
-            </a:r>
-          </a:p>
-        </p:txBody>
-      </p:sp>
+              <a:t>Around us a crisis is unfolding</a:t>
+            </a:r>
+          </a:p>
+        </p:txBody>
+      </p:sp>
+      <p:pic>
+        <p:nvPicPr>
+          <p:cNvPr descr="images/paste-91273085.png" id="0" name="Picture 1"/>
+          <p:cNvPicPr>
+            <a:picLocks noGrp="1" noChangeAspect="1"/>
+          </p:cNvPicPr>
+          <p:nvPr/>
+        </p:nvPicPr>
+        <p:blipFill>
+          <a:blip r:embed="rId2"/>
+          <a:stretch>
+            <a:fillRect/>
+          </a:stretch>
+        </p:blipFill>
+        <p:spPr bwMode="auto">
+          <a:xfrm>
+            <a:off x="838200" y="2755900"/>
+            <a:ext cx="10515600" cy="2476500"/>
+          </a:xfrm>
+          <a:prstGeom prst="rect">
+            <a:avLst/>
+          </a:prstGeom>
+          <a:noFill/>
+          <a:ln w="9525">
+            <a:noFill/>
+            <a:headEnd/>
+            <a:tailEnd/>
+          </a:ln>
+        </p:spPr>
+      </p:pic>
     </p:spTree>
   </p:cSld>
 </p:sld>

--- a/_site/lectures/Lecture04/Lecture04.pptx
+++ b/_site/lectures/Lecture04/Lecture04.pptx
@@ -7043,7 +7043,7 @@
             </a:pPr>
             <a:r>
               <a:rPr/>
-              <a:t>You will be using one of these (all supported by SPSS Exercise 1)</a:t>
+              <a:t>You will be using one of these (all supported by SPSS Exercise 1 &amp; 2)</a:t>
             </a:r>
           </a:p>
           <a:p>

--- a/_site/lectures/Lecture04/Lecture04.pptx
+++ b/_site/lectures/Lecture04/Lecture04.pptx
@@ -4994,7 +4994,7 @@
             </a:pPr>
             <a:r>
               <a:rPr/>
-              <a:t>24 October, 2022</a:t>
+              <a:t>10/24/22</a:t>
             </a:r>
           </a:p>
         </p:txBody>

--- a/_site/lectures/Lecture04/Lecture04.pptx
+++ b/_site/lectures/Lecture04/Lecture04.pptx
@@ -4994,7 +4994,7 @@
             </a:pPr>
             <a:r>
               <a:rPr/>
-              <a:t>10/24/22</a:t>
+              <a:t>24 October, 2022</a:t>
             </a:r>
           </a:p>
         </p:txBody>
